--- a/make_presentation/templates/templates/classic/_28.pptx
+++ b/make_presentation/templates/templates/classic/_28.pptx
@@ -319,7 +319,7 @@
             <a:pPr algn="r">
               <a:buNone/>
             </a:pPr>
-            <a:fld id="{B52B5B5D-904A-43B4-BA53-8D44F90F33A3}" type="slidenum">
+            <a:fld id="{9CF82352-00E6-4D79-B449-94611B2D8D01}" type="slidenum">
               <a:rPr b="0" lang="en-US" sz="1400" spc="-1" strike="noStrike">
                 <a:latin typeface="Times New Roman"/>
               </a:rPr>
@@ -367,7 +367,7 @@
         <p:spPr>
           <a:xfrm>
             <a:off x="380880" y="685800"/>
-            <a:ext cx="6091920" cy="3425040"/>
+            <a:ext cx="6091560" cy="3424680"/>
           </a:xfrm>
           <a:prstGeom prst="rect">
             <a:avLst/>
@@ -390,7 +390,7 @@
         <p:spPr>
           <a:xfrm>
             <a:off x="685800" y="4343400"/>
-            <a:ext cx="5482440" cy="4110840"/>
+            <a:ext cx="5482080" cy="4110480"/>
           </a:xfrm>
           <a:prstGeom prst="rect">
             <a:avLst/>
@@ -424,7 +424,7 @@
         <p:spPr>
           <a:xfrm>
             <a:off x="3884760" y="8685360"/>
-            <a:ext cx="2967840" cy="453240"/>
+            <a:ext cx="2967480" cy="452880"/>
           </a:xfrm>
           <a:prstGeom prst="rect">
             <a:avLst/>
@@ -460,7 +460,7 @@
               </a:lnSpc>
               <a:buNone/>
             </a:pPr>
-            <a:fld id="{5A724164-14F0-413D-A732-AB51E2A7C364}" type="slidenum">
+            <a:fld id="{B6D15BF5-85FC-47D9-8312-8D55B8603F32}" type="slidenum">
               <a:rPr b="0" lang="en-US" sz="1200" spc="-1" strike="noStrike">
                 <a:solidFill>
                   <a:srgbClr val="000000"/>
@@ -511,7 +511,7 @@
         <p:spPr>
           <a:xfrm>
             <a:off x="380880" y="685800"/>
-            <a:ext cx="6091920" cy="3425040"/>
+            <a:ext cx="6091560" cy="3424680"/>
           </a:xfrm>
           <a:prstGeom prst="rect">
             <a:avLst/>
@@ -534,7 +534,7 @@
         <p:spPr>
           <a:xfrm>
             <a:off x="685800" y="4343400"/>
-            <a:ext cx="5482440" cy="4110840"/>
+            <a:ext cx="5482080" cy="4110480"/>
           </a:xfrm>
           <a:prstGeom prst="rect">
             <a:avLst/>
@@ -568,7 +568,7 @@
         <p:spPr>
           <a:xfrm>
             <a:off x="3884760" y="8685360"/>
-            <a:ext cx="2967840" cy="453240"/>
+            <a:ext cx="2967480" cy="452880"/>
           </a:xfrm>
           <a:prstGeom prst="rect">
             <a:avLst/>
@@ -604,7 +604,7 @@
               </a:lnSpc>
               <a:buNone/>
             </a:pPr>
-            <a:fld id="{1CB2431D-3963-45EA-86FF-9BA814557B0B}" type="slidenum">
+            <a:fld id="{D7177265-7A65-4BAF-AB6F-9E91B862DF2E}" type="slidenum">
               <a:rPr b="0" lang="en-US" sz="1200" spc="-1" strike="noStrike">
                 <a:solidFill>
                   <a:srgbClr val="000000"/>
@@ -655,7 +655,7 @@
         <p:spPr>
           <a:xfrm>
             <a:off x="380880" y="685800"/>
-            <a:ext cx="6091920" cy="3425040"/>
+            <a:ext cx="6091560" cy="3424680"/>
           </a:xfrm>
           <a:prstGeom prst="rect">
             <a:avLst/>
@@ -678,7 +678,7 @@
         <p:spPr>
           <a:xfrm>
             <a:off x="685800" y="4343400"/>
-            <a:ext cx="5482440" cy="4110840"/>
+            <a:ext cx="5482080" cy="4110480"/>
           </a:xfrm>
           <a:prstGeom prst="rect">
             <a:avLst/>
@@ -712,7 +712,7 @@
         <p:spPr>
           <a:xfrm>
             <a:off x="3884760" y="8685360"/>
-            <a:ext cx="2967840" cy="453240"/>
+            <a:ext cx="2967480" cy="452880"/>
           </a:xfrm>
           <a:prstGeom prst="rect">
             <a:avLst/>
@@ -748,7 +748,7 @@
               </a:lnSpc>
               <a:buNone/>
             </a:pPr>
-            <a:fld id="{80BE3175-71F4-4A97-B2D1-EE6E16D9DFB1}" type="slidenum">
+            <a:fld id="{B08B8721-F9BB-4962-90DA-1FAC82A2CE08}" type="slidenum">
               <a:rPr b="0" lang="en-US" sz="1200" spc="-1" strike="noStrike">
                 <a:solidFill>
                   <a:srgbClr val="000000"/>
@@ -799,7 +799,7 @@
         <p:spPr>
           <a:xfrm>
             <a:off x="380880" y="685800"/>
-            <a:ext cx="6091920" cy="3425040"/>
+            <a:ext cx="6091560" cy="3424680"/>
           </a:xfrm>
           <a:prstGeom prst="rect">
             <a:avLst/>
@@ -822,7 +822,7 @@
         <p:spPr>
           <a:xfrm>
             <a:off x="685800" y="4343400"/>
-            <a:ext cx="5482440" cy="4110840"/>
+            <a:ext cx="5482080" cy="4110480"/>
           </a:xfrm>
           <a:prstGeom prst="rect">
             <a:avLst/>
@@ -856,7 +856,7 @@
         <p:spPr>
           <a:xfrm>
             <a:off x="3884760" y="8685360"/>
-            <a:ext cx="2967840" cy="453240"/>
+            <a:ext cx="2967480" cy="452880"/>
           </a:xfrm>
           <a:prstGeom prst="rect">
             <a:avLst/>
@@ -892,7 +892,7 @@
               </a:lnSpc>
               <a:buNone/>
             </a:pPr>
-            <a:fld id="{141FC12D-6638-40BC-95A3-1D417E4A08E4}" type="slidenum">
+            <a:fld id="{2B196E15-EA28-4F64-9508-CF41AA517F6E}" type="slidenum">
               <a:rPr b="0" lang="en-US" sz="1200" spc="-1" strike="noStrike">
                 <a:solidFill>
                   <a:srgbClr val="000000"/>
@@ -943,7 +943,7 @@
         <p:spPr>
           <a:xfrm>
             <a:off x="380880" y="685800"/>
-            <a:ext cx="6091920" cy="3425040"/>
+            <a:ext cx="6091560" cy="3424680"/>
           </a:xfrm>
           <a:prstGeom prst="rect">
             <a:avLst/>
@@ -966,7 +966,7 @@
         <p:spPr>
           <a:xfrm>
             <a:off x="685800" y="4343400"/>
-            <a:ext cx="5482440" cy="4110840"/>
+            <a:ext cx="5482080" cy="4110480"/>
           </a:xfrm>
           <a:prstGeom prst="rect">
             <a:avLst/>
@@ -1000,7 +1000,7 @@
         <p:spPr>
           <a:xfrm>
             <a:off x="3884760" y="8685360"/>
-            <a:ext cx="2967840" cy="453240"/>
+            <a:ext cx="2967480" cy="452880"/>
           </a:xfrm>
           <a:prstGeom prst="rect">
             <a:avLst/>
@@ -1036,7 +1036,7 @@
               </a:lnSpc>
               <a:buNone/>
             </a:pPr>
-            <a:fld id="{C3480715-DA2B-4593-BB3C-17F758A6BD52}" type="slidenum">
+            <a:fld id="{A40662D9-8D38-4CE8-87FD-4328FA865F49}" type="slidenum">
               <a:rPr b="0" lang="en-US" sz="1200" spc="-1" strike="noStrike">
                 <a:solidFill>
                   <a:srgbClr val="000000"/>
@@ -1087,7 +1087,7 @@
         <p:spPr>
           <a:xfrm>
             <a:off x="380880" y="685800"/>
-            <a:ext cx="6091920" cy="3425040"/>
+            <a:ext cx="6091560" cy="3424680"/>
           </a:xfrm>
           <a:prstGeom prst="rect">
             <a:avLst/>
@@ -1110,7 +1110,7 @@
         <p:spPr>
           <a:xfrm>
             <a:off x="685800" y="4343400"/>
-            <a:ext cx="5482440" cy="4110840"/>
+            <a:ext cx="5482080" cy="4110480"/>
           </a:xfrm>
           <a:prstGeom prst="rect">
             <a:avLst/>
@@ -1144,7 +1144,7 @@
         <p:spPr>
           <a:xfrm>
             <a:off x="3884760" y="8685360"/>
-            <a:ext cx="2967840" cy="453240"/>
+            <a:ext cx="2967480" cy="452880"/>
           </a:xfrm>
           <a:prstGeom prst="rect">
             <a:avLst/>
@@ -1180,7 +1180,7 @@
               </a:lnSpc>
               <a:buNone/>
             </a:pPr>
-            <a:fld id="{B52B750A-AA0F-47F2-8D66-D6239B000610}" type="slidenum">
+            <a:fld id="{34C3ADD6-A950-427C-ACBF-082C4796F7A4}" type="slidenum">
               <a:rPr b="0" lang="en-US" sz="1200" spc="-1" strike="noStrike">
                 <a:solidFill>
                   <a:srgbClr val="000000"/>
@@ -1231,7 +1231,7 @@
         <p:spPr>
           <a:xfrm>
             <a:off x="380880" y="685800"/>
-            <a:ext cx="6091920" cy="3425040"/>
+            <a:ext cx="6091560" cy="3424680"/>
           </a:xfrm>
           <a:prstGeom prst="rect">
             <a:avLst/>
@@ -1254,7 +1254,7 @@
         <p:spPr>
           <a:xfrm>
             <a:off x="685800" y="4343400"/>
-            <a:ext cx="5482440" cy="4110840"/>
+            <a:ext cx="5482080" cy="4110480"/>
           </a:xfrm>
           <a:prstGeom prst="rect">
             <a:avLst/>
@@ -1288,7 +1288,7 @@
         <p:spPr>
           <a:xfrm>
             <a:off x="3884760" y="8685360"/>
-            <a:ext cx="2967840" cy="453240"/>
+            <a:ext cx="2967480" cy="452880"/>
           </a:xfrm>
           <a:prstGeom prst="rect">
             <a:avLst/>
@@ -1324,7 +1324,7 @@
               </a:lnSpc>
               <a:buNone/>
             </a:pPr>
-            <a:fld id="{7644E558-E77E-432D-9F50-6E3FF9A743FF}" type="slidenum">
+            <a:fld id="{E569DC93-CFDB-495A-8F04-CEDF5E663522}" type="slidenum">
               <a:rPr b="0" lang="en-US" sz="1200" spc="-1" strike="noStrike">
                 <a:solidFill>
                   <a:srgbClr val="000000"/>
@@ -1375,7 +1375,7 @@
         <p:spPr>
           <a:xfrm>
             <a:off x="380880" y="685800"/>
-            <a:ext cx="6091920" cy="3425040"/>
+            <a:ext cx="6091560" cy="3424680"/>
           </a:xfrm>
           <a:prstGeom prst="rect">
             <a:avLst/>
@@ -1398,7 +1398,7 @@
         <p:spPr>
           <a:xfrm>
             <a:off x="685800" y="4343400"/>
-            <a:ext cx="5482440" cy="4110840"/>
+            <a:ext cx="5482080" cy="4110480"/>
           </a:xfrm>
           <a:prstGeom prst="rect">
             <a:avLst/>
@@ -1432,7 +1432,7 @@
         <p:spPr>
           <a:xfrm>
             <a:off x="3884760" y="8685360"/>
-            <a:ext cx="2967840" cy="453240"/>
+            <a:ext cx="2967480" cy="452880"/>
           </a:xfrm>
           <a:prstGeom prst="rect">
             <a:avLst/>
@@ -1468,7 +1468,7 @@
               </a:lnSpc>
               <a:buNone/>
             </a:pPr>
-            <a:fld id="{00A9F367-124A-460E-B707-19F2159D2D65}" type="slidenum">
+            <a:fld id="{784AC01E-82C4-45CB-AC70-8AC42E7441D8}" type="slidenum">
               <a:rPr b="0" lang="en-US" sz="1200" spc="-1" strike="noStrike">
                 <a:solidFill>
                   <a:srgbClr val="000000"/>
@@ -1519,7 +1519,7 @@
         <p:spPr>
           <a:xfrm>
             <a:off x="380880" y="685800"/>
-            <a:ext cx="6091920" cy="3425040"/>
+            <a:ext cx="6091560" cy="3424680"/>
           </a:xfrm>
           <a:prstGeom prst="rect">
             <a:avLst/>
@@ -1542,7 +1542,7 @@
         <p:spPr>
           <a:xfrm>
             <a:off x="685800" y="4343400"/>
-            <a:ext cx="5482440" cy="4110840"/>
+            <a:ext cx="5482080" cy="4110480"/>
           </a:xfrm>
           <a:prstGeom prst="rect">
             <a:avLst/>
@@ -1576,7 +1576,7 @@
         <p:spPr>
           <a:xfrm>
             <a:off x="3884760" y="8685360"/>
-            <a:ext cx="2967840" cy="453240"/>
+            <a:ext cx="2967480" cy="452880"/>
           </a:xfrm>
           <a:prstGeom prst="rect">
             <a:avLst/>
@@ -1612,7 +1612,7 @@
               </a:lnSpc>
               <a:buNone/>
             </a:pPr>
-            <a:fld id="{F0F894BB-8BE1-4BC4-B013-7727BF80337F}" type="slidenum">
+            <a:fld id="{7E65A980-8E63-46C5-AB48-FAFEE77D6BAB}" type="slidenum">
               <a:rPr b="0" lang="en-US" sz="1200" spc="-1" strike="noStrike">
                 <a:solidFill>
                   <a:srgbClr val="000000"/>
@@ -1663,7 +1663,7 @@
         <p:spPr>
           <a:xfrm>
             <a:off x="380880" y="685800"/>
-            <a:ext cx="6091920" cy="3425040"/>
+            <a:ext cx="6091560" cy="3424680"/>
           </a:xfrm>
           <a:prstGeom prst="rect">
             <a:avLst/>
@@ -1686,7 +1686,7 @@
         <p:spPr>
           <a:xfrm>
             <a:off x="685800" y="4343400"/>
-            <a:ext cx="5482440" cy="4110840"/>
+            <a:ext cx="5482080" cy="4110480"/>
           </a:xfrm>
           <a:prstGeom prst="rect">
             <a:avLst/>
@@ -1720,7 +1720,7 @@
         <p:spPr>
           <a:xfrm>
             <a:off x="3884760" y="8685360"/>
-            <a:ext cx="2967840" cy="453240"/>
+            <a:ext cx="2967480" cy="452880"/>
           </a:xfrm>
           <a:prstGeom prst="rect">
             <a:avLst/>
@@ -1756,7 +1756,7 @@
               </a:lnSpc>
               <a:buNone/>
             </a:pPr>
-            <a:fld id="{2D6813AF-EECB-499D-8B83-40114A5872D9}" type="slidenum">
+            <a:fld id="{134410B8-4F59-4EA5-B540-A9266F4AFDC7}" type="slidenum">
               <a:rPr b="0" lang="en-US" sz="1200" spc="-1" strike="noStrike">
                 <a:solidFill>
                   <a:srgbClr val="000000"/>
@@ -1807,7 +1807,7 @@
         <p:spPr>
           <a:xfrm>
             <a:off x="380880" y="685800"/>
-            <a:ext cx="6091920" cy="3425040"/>
+            <a:ext cx="6091560" cy="3424680"/>
           </a:xfrm>
           <a:prstGeom prst="rect">
             <a:avLst/>
@@ -1830,7 +1830,7 @@
         <p:spPr>
           <a:xfrm>
             <a:off x="685800" y="4343400"/>
-            <a:ext cx="5482440" cy="4110840"/>
+            <a:ext cx="5482080" cy="4110480"/>
           </a:xfrm>
           <a:prstGeom prst="rect">
             <a:avLst/>
@@ -1864,7 +1864,7 @@
         <p:spPr>
           <a:xfrm>
             <a:off x="3884760" y="8685360"/>
-            <a:ext cx="2967840" cy="453240"/>
+            <a:ext cx="2967480" cy="452880"/>
           </a:xfrm>
           <a:prstGeom prst="rect">
             <a:avLst/>
@@ -1900,7 +1900,7 @@
               </a:lnSpc>
               <a:buNone/>
             </a:pPr>
-            <a:fld id="{06C10517-473B-404A-8163-D0CB1DB03224}" type="slidenum">
+            <a:fld id="{6B23F4E0-B34C-41D9-99F3-118DE671B18E}" type="slidenum">
               <a:rPr b="0" lang="en-US" sz="1200" spc="-1" strike="noStrike">
                 <a:solidFill>
                   <a:srgbClr val="000000"/>
@@ -1951,7 +1951,7 @@
         <p:spPr>
           <a:xfrm>
             <a:off x="380880" y="685800"/>
-            <a:ext cx="6091920" cy="3425040"/>
+            <a:ext cx="6091560" cy="3424680"/>
           </a:xfrm>
           <a:prstGeom prst="rect">
             <a:avLst/>
@@ -1974,7 +1974,7 @@
         <p:spPr>
           <a:xfrm>
             <a:off x="685800" y="4343400"/>
-            <a:ext cx="5482440" cy="4110840"/>
+            <a:ext cx="5482080" cy="4110480"/>
           </a:xfrm>
           <a:prstGeom prst="rect">
             <a:avLst/>
@@ -2008,7 +2008,7 @@
         <p:spPr>
           <a:xfrm>
             <a:off x="3884760" y="8685360"/>
-            <a:ext cx="2967840" cy="453240"/>
+            <a:ext cx="2967480" cy="452880"/>
           </a:xfrm>
           <a:prstGeom prst="rect">
             <a:avLst/>
@@ -2044,7 +2044,7 @@
               </a:lnSpc>
               <a:buNone/>
             </a:pPr>
-            <a:fld id="{720D5232-591E-42A8-9BF6-7573CC659800}" type="slidenum">
+            <a:fld id="{700949D1-A70C-4268-B608-9C2B460830D1}" type="slidenum">
               <a:rPr b="0" lang="en-US" sz="1200" spc="-1" strike="noStrike">
                 <a:solidFill>
                   <a:srgbClr val="000000"/>
@@ -2095,7 +2095,7 @@
         <p:spPr>
           <a:xfrm>
             <a:off x="380880" y="685800"/>
-            <a:ext cx="6091920" cy="3425040"/>
+            <a:ext cx="6091560" cy="3424680"/>
           </a:xfrm>
           <a:prstGeom prst="rect">
             <a:avLst/>
@@ -2118,7 +2118,7 @@
         <p:spPr>
           <a:xfrm>
             <a:off x="685800" y="4343400"/>
-            <a:ext cx="5482440" cy="4110840"/>
+            <a:ext cx="5482080" cy="4110480"/>
           </a:xfrm>
           <a:prstGeom prst="rect">
             <a:avLst/>
@@ -2152,7 +2152,7 @@
         <p:spPr>
           <a:xfrm>
             <a:off x="3884760" y="8685360"/>
-            <a:ext cx="2967840" cy="453240"/>
+            <a:ext cx="2967480" cy="452880"/>
           </a:xfrm>
           <a:prstGeom prst="rect">
             <a:avLst/>
@@ -2188,7 +2188,7 @@
               </a:lnSpc>
               <a:buNone/>
             </a:pPr>
-            <a:fld id="{29B411EA-0E90-4DA7-90FA-54D0DDF361CA}" type="slidenum">
+            <a:fld id="{294A5127-CE87-42D9-82CB-41E66D7E0102}" type="slidenum">
               <a:rPr b="0" lang="en-US" sz="1200" spc="-1" strike="noStrike">
                 <a:solidFill>
                   <a:srgbClr val="000000"/>
@@ -2239,7 +2239,7 @@
         <p:spPr>
           <a:xfrm>
             <a:off x="380880" y="685800"/>
-            <a:ext cx="6091920" cy="3425040"/>
+            <a:ext cx="6091560" cy="3424680"/>
           </a:xfrm>
           <a:prstGeom prst="rect">
             <a:avLst/>
@@ -2262,7 +2262,7 @@
         <p:spPr>
           <a:xfrm>
             <a:off x="685800" y="4343400"/>
-            <a:ext cx="5482440" cy="4110840"/>
+            <a:ext cx="5482080" cy="4110480"/>
           </a:xfrm>
           <a:prstGeom prst="rect">
             <a:avLst/>
@@ -2296,7 +2296,7 @@
         <p:spPr>
           <a:xfrm>
             <a:off x="3884760" y="8685360"/>
-            <a:ext cx="2967840" cy="453240"/>
+            <a:ext cx="2967480" cy="452880"/>
           </a:xfrm>
           <a:prstGeom prst="rect">
             <a:avLst/>
@@ -2332,7 +2332,7 @@
               </a:lnSpc>
               <a:buNone/>
             </a:pPr>
-            <a:fld id="{998CC352-78DA-4AFD-A11C-885A4421EFB6}" type="slidenum">
+            <a:fld id="{C0AD02C7-B133-4F4C-958E-B432B40EA5D8}" type="slidenum">
               <a:rPr b="0" lang="en-US" sz="1200" spc="-1" strike="noStrike">
                 <a:solidFill>
                   <a:srgbClr val="000000"/>
@@ -2383,7 +2383,7 @@
         <p:spPr>
           <a:xfrm>
             <a:off x="380880" y="685800"/>
-            <a:ext cx="6091920" cy="3425040"/>
+            <a:ext cx="6091560" cy="3424680"/>
           </a:xfrm>
           <a:prstGeom prst="rect">
             <a:avLst/>
@@ -2406,7 +2406,7 @@
         <p:spPr>
           <a:xfrm>
             <a:off x="685800" y="4343400"/>
-            <a:ext cx="5482440" cy="4110840"/>
+            <a:ext cx="5482080" cy="4110480"/>
           </a:xfrm>
           <a:prstGeom prst="rect">
             <a:avLst/>
@@ -2440,7 +2440,7 @@
         <p:spPr>
           <a:xfrm>
             <a:off x="3884760" y="8685360"/>
-            <a:ext cx="2967840" cy="453240"/>
+            <a:ext cx="2967480" cy="452880"/>
           </a:xfrm>
           <a:prstGeom prst="rect">
             <a:avLst/>
@@ -2476,7 +2476,7 @@
               </a:lnSpc>
               <a:buNone/>
             </a:pPr>
-            <a:fld id="{4F98FBC7-CF01-441B-9C40-E618493A978F}" type="slidenum">
+            <a:fld id="{CB3FA987-27B7-4A31-AD25-A24F02E27F48}" type="slidenum">
               <a:rPr b="0" lang="en-US" sz="1200" spc="-1" strike="noStrike">
                 <a:solidFill>
                   <a:srgbClr val="000000"/>
@@ -2527,7 +2527,7 @@
         <p:spPr>
           <a:xfrm>
             <a:off x="380880" y="685800"/>
-            <a:ext cx="6091920" cy="3425040"/>
+            <a:ext cx="6091560" cy="3424680"/>
           </a:xfrm>
           <a:prstGeom prst="rect">
             <a:avLst/>
@@ -2550,7 +2550,7 @@
         <p:spPr>
           <a:xfrm>
             <a:off x="685800" y="4343400"/>
-            <a:ext cx="5482440" cy="4110840"/>
+            <a:ext cx="5482080" cy="4110480"/>
           </a:xfrm>
           <a:prstGeom prst="rect">
             <a:avLst/>
@@ -2584,7 +2584,7 @@
         <p:spPr>
           <a:xfrm>
             <a:off x="3884760" y="8685360"/>
-            <a:ext cx="2967840" cy="453240"/>
+            <a:ext cx="2967480" cy="452880"/>
           </a:xfrm>
           <a:prstGeom prst="rect">
             <a:avLst/>
@@ -2620,7 +2620,7 @@
               </a:lnSpc>
               <a:buNone/>
             </a:pPr>
-            <a:fld id="{AEDE23A6-7B43-41BF-9BA8-EB03175FDE51}" type="slidenum">
+            <a:fld id="{BA7EBB6B-AF65-43CB-B727-F79E41E98FCE}" type="slidenum">
               <a:rPr b="0" lang="en-US" sz="1200" spc="-1" strike="noStrike">
                 <a:solidFill>
                   <a:srgbClr val="000000"/>
@@ -2671,7 +2671,7 @@
         <p:spPr>
           <a:xfrm>
             <a:off x="380880" y="685800"/>
-            <a:ext cx="6091920" cy="3425040"/>
+            <a:ext cx="6091560" cy="3424680"/>
           </a:xfrm>
           <a:prstGeom prst="rect">
             <a:avLst/>
@@ -2694,7 +2694,7 @@
         <p:spPr>
           <a:xfrm>
             <a:off x="685800" y="4343400"/>
-            <a:ext cx="5482440" cy="4110840"/>
+            <a:ext cx="5482080" cy="4110480"/>
           </a:xfrm>
           <a:prstGeom prst="rect">
             <a:avLst/>
@@ -2728,7 +2728,7 @@
         <p:spPr>
           <a:xfrm>
             <a:off x="3884760" y="8685360"/>
-            <a:ext cx="2967840" cy="453240"/>
+            <a:ext cx="2967480" cy="452880"/>
           </a:xfrm>
           <a:prstGeom prst="rect">
             <a:avLst/>
@@ -2764,7 +2764,7 @@
               </a:lnSpc>
               <a:buNone/>
             </a:pPr>
-            <a:fld id="{3F6F30DC-4C0E-42D5-8DA0-F5C393FA0175}" type="slidenum">
+            <a:fld id="{EEB94999-4EC8-4501-B241-24FE4332D8C8}" type="slidenum">
               <a:rPr b="0" lang="en-US" sz="1200" spc="-1" strike="noStrike">
                 <a:solidFill>
                   <a:srgbClr val="000000"/>
@@ -2815,7 +2815,7 @@
         <p:spPr>
           <a:xfrm>
             <a:off x="380880" y="685800"/>
-            <a:ext cx="6091920" cy="3425040"/>
+            <a:ext cx="6091560" cy="3424680"/>
           </a:xfrm>
           <a:prstGeom prst="rect">
             <a:avLst/>
@@ -2838,7 +2838,7 @@
         <p:spPr>
           <a:xfrm>
             <a:off x="685800" y="4343400"/>
-            <a:ext cx="5482440" cy="4110840"/>
+            <a:ext cx="5482080" cy="4110480"/>
           </a:xfrm>
           <a:prstGeom prst="rect">
             <a:avLst/>
@@ -2872,7 +2872,7 @@
         <p:spPr>
           <a:xfrm>
             <a:off x="3884760" y="8685360"/>
-            <a:ext cx="2967840" cy="453240"/>
+            <a:ext cx="2967480" cy="452880"/>
           </a:xfrm>
           <a:prstGeom prst="rect">
             <a:avLst/>
@@ -2908,7 +2908,7 @@
               </a:lnSpc>
               <a:buNone/>
             </a:pPr>
-            <a:fld id="{C2EC1514-C6C9-40CE-A268-34C028E25D66}" type="slidenum">
+            <a:fld id="{D6EB2A92-93D6-4AEC-9E79-E924F464CF48}" type="slidenum">
               <a:rPr b="0" lang="en-US" sz="1200" spc="-1" strike="noStrike">
                 <a:solidFill>
                   <a:srgbClr val="000000"/>
@@ -2959,7 +2959,7 @@
         <p:spPr>
           <a:xfrm>
             <a:off x="380880" y="685800"/>
-            <a:ext cx="6091920" cy="3425040"/>
+            <a:ext cx="6091560" cy="3424680"/>
           </a:xfrm>
           <a:prstGeom prst="rect">
             <a:avLst/>
@@ -2982,7 +2982,7 @@
         <p:spPr>
           <a:xfrm>
             <a:off x="685800" y="4343400"/>
-            <a:ext cx="5482440" cy="4110840"/>
+            <a:ext cx="5482080" cy="4110480"/>
           </a:xfrm>
           <a:prstGeom prst="rect">
             <a:avLst/>
@@ -3016,7 +3016,7 @@
         <p:spPr>
           <a:xfrm>
             <a:off x="3884760" y="8685360"/>
-            <a:ext cx="2967840" cy="453240"/>
+            <a:ext cx="2967480" cy="452880"/>
           </a:xfrm>
           <a:prstGeom prst="rect">
             <a:avLst/>
@@ -3052,7 +3052,7 @@
               </a:lnSpc>
               <a:buNone/>
             </a:pPr>
-            <a:fld id="{E20DC5C9-5C4D-42DE-AE63-9B86B7F78FA2}" type="slidenum">
+            <a:fld id="{EB532BBC-BF03-418B-9281-BDB0B8F80099}" type="slidenum">
               <a:rPr b="0" lang="en-US" sz="1200" spc="-1" strike="noStrike">
                 <a:solidFill>
                   <a:srgbClr val="000000"/>
@@ -3103,7 +3103,7 @@
         <p:spPr>
           <a:xfrm>
             <a:off x="380880" y="685800"/>
-            <a:ext cx="6091920" cy="3425040"/>
+            <a:ext cx="6091560" cy="3424680"/>
           </a:xfrm>
           <a:prstGeom prst="rect">
             <a:avLst/>
@@ -3126,7 +3126,7 @@
         <p:spPr>
           <a:xfrm>
             <a:off x="685800" y="4343400"/>
-            <a:ext cx="5482440" cy="4110840"/>
+            <a:ext cx="5482080" cy="4110480"/>
           </a:xfrm>
           <a:prstGeom prst="rect">
             <a:avLst/>
@@ -3160,7 +3160,7 @@
         <p:spPr>
           <a:xfrm>
             <a:off x="3884760" y="8685360"/>
-            <a:ext cx="2967840" cy="453240"/>
+            <a:ext cx="2967480" cy="452880"/>
           </a:xfrm>
           <a:prstGeom prst="rect">
             <a:avLst/>
@@ -3196,7 +3196,7 @@
               </a:lnSpc>
               <a:buNone/>
             </a:pPr>
-            <a:fld id="{9DB36AF9-C550-4771-B6BB-CE0018BC5F41}" type="slidenum">
+            <a:fld id="{7D3AA043-BCE6-4700-BB27-FCFF9B2EEC83}" type="slidenum">
               <a:rPr b="0" lang="en-US" sz="1200" spc="-1" strike="noStrike">
                 <a:solidFill>
                   <a:srgbClr val="000000"/>
@@ -3247,7 +3247,7 @@
         <p:spPr>
           <a:xfrm>
             <a:off x="380880" y="685800"/>
-            <a:ext cx="6091920" cy="3425040"/>
+            <a:ext cx="6091560" cy="3424680"/>
           </a:xfrm>
           <a:prstGeom prst="rect">
             <a:avLst/>
@@ -3270,7 +3270,7 @@
         <p:spPr>
           <a:xfrm>
             <a:off x="685800" y="4343400"/>
-            <a:ext cx="5482440" cy="4110840"/>
+            <a:ext cx="5482080" cy="4110480"/>
           </a:xfrm>
           <a:prstGeom prst="rect">
             <a:avLst/>
@@ -3304,7 +3304,7 @@
         <p:spPr>
           <a:xfrm>
             <a:off x="3884760" y="8685360"/>
-            <a:ext cx="2967840" cy="453240"/>
+            <a:ext cx="2967480" cy="452880"/>
           </a:xfrm>
           <a:prstGeom prst="rect">
             <a:avLst/>
@@ -3340,7 +3340,7 @@
               </a:lnSpc>
               <a:buNone/>
             </a:pPr>
-            <a:fld id="{8841A855-E762-4357-A8F5-A8361D0D8454}" type="slidenum">
+            <a:fld id="{FE0E8360-1F02-4F32-836E-1902FC1A647E}" type="slidenum">
               <a:rPr b="0" lang="en-US" sz="1200" spc="-1" strike="noStrike">
                 <a:solidFill>
                   <a:srgbClr val="000000"/>
@@ -3391,7 +3391,7 @@
         <p:spPr>
           <a:xfrm>
             <a:off x="380880" y="685800"/>
-            <a:ext cx="6091920" cy="3425040"/>
+            <a:ext cx="6091560" cy="3424680"/>
           </a:xfrm>
           <a:prstGeom prst="rect">
             <a:avLst/>
@@ -3414,7 +3414,7 @@
         <p:spPr>
           <a:xfrm>
             <a:off x="685800" y="4343400"/>
-            <a:ext cx="5482440" cy="4110840"/>
+            <a:ext cx="5482080" cy="4110480"/>
           </a:xfrm>
           <a:prstGeom prst="rect">
             <a:avLst/>
@@ -3448,7 +3448,7 @@
         <p:spPr>
           <a:xfrm>
             <a:off x="3884760" y="8685360"/>
-            <a:ext cx="2967840" cy="453240"/>
+            <a:ext cx="2967480" cy="452880"/>
           </a:xfrm>
           <a:prstGeom prst="rect">
             <a:avLst/>
@@ -3484,7 +3484,7 @@
               </a:lnSpc>
               <a:buNone/>
             </a:pPr>
-            <a:fld id="{4757E662-C477-4F16-8482-231FDEA27FEA}" type="slidenum">
+            <a:fld id="{83919A7A-9440-4E85-B7F2-13B63D72662E}" type="slidenum">
               <a:rPr b="0" lang="en-US" sz="1200" spc="-1" strike="noStrike">
                 <a:solidFill>
                   <a:srgbClr val="000000"/>
@@ -3535,7 +3535,7 @@
         <p:spPr>
           <a:xfrm>
             <a:off x="380880" y="685800"/>
-            <a:ext cx="6091920" cy="3425040"/>
+            <a:ext cx="6091560" cy="3424680"/>
           </a:xfrm>
           <a:prstGeom prst="rect">
             <a:avLst/>
@@ -3558,7 +3558,7 @@
         <p:spPr>
           <a:xfrm>
             <a:off x="685800" y="4343400"/>
-            <a:ext cx="5482440" cy="4110840"/>
+            <a:ext cx="5482080" cy="4110480"/>
           </a:xfrm>
           <a:prstGeom prst="rect">
             <a:avLst/>
@@ -3592,7 +3592,7 @@
         <p:spPr>
           <a:xfrm>
             <a:off x="3884760" y="8685360"/>
-            <a:ext cx="2967840" cy="453240"/>
+            <a:ext cx="2967480" cy="452880"/>
           </a:xfrm>
           <a:prstGeom prst="rect">
             <a:avLst/>
@@ -3628,7 +3628,7 @@
               </a:lnSpc>
               <a:buNone/>
             </a:pPr>
-            <a:fld id="{01D4BDAA-A1DD-4C4F-ADF5-7F64CD839FAA}" type="slidenum">
+            <a:fld id="{972E64E2-AAE9-445E-9B59-6654281E3B60}" type="slidenum">
               <a:rPr b="0" lang="en-US" sz="1200" spc="-1" strike="noStrike">
                 <a:solidFill>
                   <a:srgbClr val="000000"/>
@@ -3679,7 +3679,7 @@
         <p:spPr>
           <a:xfrm>
             <a:off x="380880" y="685800"/>
-            <a:ext cx="6091920" cy="3425040"/>
+            <a:ext cx="6091560" cy="3424680"/>
           </a:xfrm>
           <a:prstGeom prst="rect">
             <a:avLst/>
@@ -3702,7 +3702,7 @@
         <p:spPr>
           <a:xfrm>
             <a:off x="685800" y="4343400"/>
-            <a:ext cx="5482440" cy="4110840"/>
+            <a:ext cx="5482080" cy="4110480"/>
           </a:xfrm>
           <a:prstGeom prst="rect">
             <a:avLst/>
@@ -3736,7 +3736,7 @@
         <p:spPr>
           <a:xfrm>
             <a:off x="3884760" y="8685360"/>
-            <a:ext cx="2967840" cy="453240"/>
+            <a:ext cx="2967480" cy="452880"/>
           </a:xfrm>
           <a:prstGeom prst="rect">
             <a:avLst/>
@@ -3772,7 +3772,7 @@
               </a:lnSpc>
               <a:buNone/>
             </a:pPr>
-            <a:fld id="{715B4B83-06C0-4A49-B0EB-9C83ADB7BFCC}" type="slidenum">
+            <a:fld id="{E37D5270-38CB-4C53-824B-7E2A20475495}" type="slidenum">
               <a:rPr b="0" lang="en-US" sz="1200" spc="-1" strike="noStrike">
                 <a:solidFill>
                   <a:srgbClr val="000000"/>
@@ -3823,7 +3823,7 @@
         <p:spPr>
           <a:xfrm>
             <a:off x="380880" y="685800"/>
-            <a:ext cx="6091920" cy="3425040"/>
+            <a:ext cx="6091560" cy="3424680"/>
           </a:xfrm>
           <a:prstGeom prst="rect">
             <a:avLst/>
@@ -3846,7 +3846,7 @@
         <p:spPr>
           <a:xfrm>
             <a:off x="685800" y="4343400"/>
-            <a:ext cx="5482440" cy="4110840"/>
+            <a:ext cx="5482080" cy="4110480"/>
           </a:xfrm>
           <a:prstGeom prst="rect">
             <a:avLst/>
@@ -3880,7 +3880,7 @@
         <p:spPr>
           <a:xfrm>
             <a:off x="3884760" y="8685360"/>
-            <a:ext cx="2967840" cy="453240"/>
+            <a:ext cx="2967480" cy="452880"/>
           </a:xfrm>
           <a:prstGeom prst="rect">
             <a:avLst/>
@@ -3916,7 +3916,7 @@
               </a:lnSpc>
               <a:buNone/>
             </a:pPr>
-            <a:fld id="{46C0EB80-2A4A-46EB-9D90-0DBA7E989F2C}" type="slidenum">
+            <a:fld id="{8C2AA5D6-B5F7-4BAC-9E88-76214407934C}" type="slidenum">
               <a:rPr b="0" lang="en-US" sz="1200" spc="-1" strike="noStrike">
                 <a:solidFill>
                   <a:srgbClr val="000000"/>
@@ -3967,7 +3967,7 @@
         <p:spPr>
           <a:xfrm>
             <a:off x="380880" y="685800"/>
-            <a:ext cx="6091920" cy="3425040"/>
+            <a:ext cx="6091560" cy="3424680"/>
           </a:xfrm>
           <a:prstGeom prst="rect">
             <a:avLst/>
@@ -3990,7 +3990,7 @@
         <p:spPr>
           <a:xfrm>
             <a:off x="685800" y="4343400"/>
-            <a:ext cx="5482440" cy="4110840"/>
+            <a:ext cx="5482080" cy="4110480"/>
           </a:xfrm>
           <a:prstGeom prst="rect">
             <a:avLst/>
@@ -4024,7 +4024,7 @@
         <p:spPr>
           <a:xfrm>
             <a:off x="3884760" y="8685360"/>
-            <a:ext cx="2967840" cy="453240"/>
+            <a:ext cx="2967480" cy="452880"/>
           </a:xfrm>
           <a:prstGeom prst="rect">
             <a:avLst/>
@@ -4060,7 +4060,7 @@
               </a:lnSpc>
               <a:buNone/>
             </a:pPr>
-            <a:fld id="{D57F2A9B-F970-405E-9565-704AA34792DA}" type="slidenum">
+            <a:fld id="{6F441C6B-ACF6-4BB5-8DF9-49037332C126}" type="slidenum">
               <a:rPr b="0" lang="en-US" sz="1200" spc="-1" strike="noStrike">
                 <a:solidFill>
                   <a:srgbClr val="000000"/>
@@ -4111,7 +4111,7 @@
         <p:spPr>
           <a:xfrm>
             <a:off x="380880" y="685800"/>
-            <a:ext cx="6091920" cy="3425040"/>
+            <a:ext cx="6091560" cy="3424680"/>
           </a:xfrm>
           <a:prstGeom prst="rect">
             <a:avLst/>
@@ -4134,7 +4134,7 @@
         <p:spPr>
           <a:xfrm>
             <a:off x="685800" y="4343400"/>
-            <a:ext cx="5482440" cy="4110840"/>
+            <a:ext cx="5482080" cy="4110480"/>
           </a:xfrm>
           <a:prstGeom prst="rect">
             <a:avLst/>
@@ -4168,7 +4168,7 @@
         <p:spPr>
           <a:xfrm>
             <a:off x="3884760" y="8685360"/>
-            <a:ext cx="2967840" cy="453240"/>
+            <a:ext cx="2967480" cy="452880"/>
           </a:xfrm>
           <a:prstGeom prst="rect">
             <a:avLst/>
@@ -4204,7 +4204,7 @@
               </a:lnSpc>
               <a:buNone/>
             </a:pPr>
-            <a:fld id="{E42DF9C3-60F5-43A9-8400-0FDEBD9395F9}" type="slidenum">
+            <a:fld id="{43B14D16-4886-4790-84D0-BFA697C008F9}" type="slidenum">
               <a:rPr b="0" lang="en-US" sz="1200" spc="-1" strike="noStrike">
                 <a:solidFill>
                   <a:srgbClr val="000000"/>
@@ -4255,7 +4255,7 @@
         <p:spPr>
           <a:xfrm>
             <a:off x="380880" y="685800"/>
-            <a:ext cx="6091920" cy="3425040"/>
+            <a:ext cx="6091560" cy="3424680"/>
           </a:xfrm>
           <a:prstGeom prst="rect">
             <a:avLst/>
@@ -4278,7 +4278,7 @@
         <p:spPr>
           <a:xfrm>
             <a:off x="685800" y="4343400"/>
-            <a:ext cx="5482440" cy="4110840"/>
+            <a:ext cx="5482080" cy="4110480"/>
           </a:xfrm>
           <a:prstGeom prst="rect">
             <a:avLst/>
@@ -4312,7 +4312,7 @@
         <p:spPr>
           <a:xfrm>
             <a:off x="3884760" y="8685360"/>
-            <a:ext cx="2967840" cy="453240"/>
+            <a:ext cx="2967480" cy="452880"/>
           </a:xfrm>
           <a:prstGeom prst="rect">
             <a:avLst/>
@@ -4348,7 +4348,7 @@
               </a:lnSpc>
               <a:buNone/>
             </a:pPr>
-            <a:fld id="{43311782-7C76-4328-A354-7C16434B664F}" type="slidenum">
+            <a:fld id="{182D100C-A5A2-4280-AA1B-71A6D672889F}" type="slidenum">
               <a:rPr b="0" lang="en-US" sz="1200" spc="-1" strike="noStrike">
                 <a:solidFill>
                   <a:srgbClr val="000000"/>
@@ -4420,7 +4420,7 @@
         <p:txBody>
           <a:bodyPr/>
           <a:p>
-            <a:fld id="{E6979B93-876C-4689-987C-65F7EBF37824}" type="slidenum">
+            <a:fld id="{37E16815-A91E-40DF-A66E-05943D2C0785}" type="slidenum">
               <a:t>&lt;#&gt;</a:t>
             </a:fld>
           </a:p>
@@ -4608,7 +4608,7 @@
         <p:txBody>
           <a:bodyPr/>
           <a:p>
-            <a:fld id="{64C0594C-9B9D-4BA1-8112-7917E147D729}" type="slidenum">
+            <a:fld id="{04C60E7A-CACC-4C17-962E-682ADF941B07}" type="slidenum">
               <a:t>&lt;#&gt;</a:t>
             </a:fld>
           </a:p>
@@ -4864,7 +4864,7 @@
         <p:txBody>
           <a:bodyPr/>
           <a:p>
-            <a:fld id="{1D515300-3501-4ADC-9C80-D81D9C1E0638}" type="slidenum">
+            <a:fld id="{AACC809A-53E7-4477-861F-6A9054138DC9}" type="slidenum">
               <a:t>&lt;#&gt;</a:t>
             </a:fld>
           </a:p>
@@ -5188,7 +5188,7 @@
         <p:txBody>
           <a:bodyPr/>
           <a:p>
-            <a:fld id="{C53ED27B-3ADB-42A6-B32B-C2679E8585DD}" type="slidenum">
+            <a:fld id="{07FDF876-239C-48AD-B32D-ED4CE19BEA15}" type="slidenum">
               <a:t>&lt;#&gt;</a:t>
             </a:fld>
           </a:p>
@@ -5345,7 +5345,7 @@
         <p:txBody>
           <a:bodyPr/>
           <a:p>
-            <a:fld id="{636C345E-B570-4B81-A003-CEED79739E1E}" type="slidenum">
+            <a:fld id="{CEFA8192-DEAF-48D7-924B-0C1263250607}" type="slidenum">
               <a:t>&lt;#&gt;</a:t>
             </a:fld>
           </a:p>
@@ -5499,7 +5499,7 @@
         <p:txBody>
           <a:bodyPr/>
           <a:p>
-            <a:fld id="{A513BF7E-0FD9-4001-BB64-5F54D37B38F7}" type="slidenum">
+            <a:fld id="{ADDAB907-518F-411D-92CB-69789BD6A767}" type="slidenum">
               <a:t>&lt;#&gt;</a:t>
             </a:fld>
           </a:p>
@@ -5687,7 +5687,7 @@
         <p:txBody>
           <a:bodyPr/>
           <a:p>
-            <a:fld id="{C33F4448-8FE9-4599-8BF9-9D63B71AFD5F}" type="slidenum">
+            <a:fld id="{6B2F8D74-0DBF-421E-A610-F662601FFEF9}" type="slidenum">
               <a:t>&lt;#&gt;</a:t>
             </a:fld>
           </a:p>
@@ -5807,7 +5807,7 @@
         <p:txBody>
           <a:bodyPr/>
           <a:p>
-            <a:fld id="{DE5CD008-0B0B-439A-B811-257C4343D47E}" type="slidenum">
+            <a:fld id="{BACE3DED-C5DD-4E3E-9CB6-E8AC13E4DD99}" type="slidenum">
               <a:t>&lt;#&gt;</a:t>
             </a:fld>
           </a:p>
@@ -5927,7 +5927,7 @@
         <p:txBody>
           <a:bodyPr/>
           <a:p>
-            <a:fld id="{83C60D9C-46D4-4397-8AA7-3A5537752A6D}" type="slidenum">
+            <a:fld id="{98CA05AE-D506-41DF-AAD8-50E90B113865}" type="slidenum">
               <a:t>&lt;#&gt;</a:t>
             </a:fld>
           </a:p>
@@ -6149,7 +6149,7 @@
         <p:txBody>
           <a:bodyPr/>
           <a:p>
-            <a:fld id="{9EFA3250-6A30-4CAD-9C68-185BFE054551}" type="slidenum">
+            <a:fld id="{6BD66A21-751F-4A84-936E-2FC19497B701}" type="slidenum">
               <a:t>&lt;#&gt;</a:t>
             </a:fld>
           </a:p>
@@ -6371,7 +6371,7 @@
         <p:txBody>
           <a:bodyPr/>
           <a:p>
-            <a:fld id="{0EA4BDFE-EC78-435E-992D-3AC0222044CE}" type="slidenum">
+            <a:fld id="{CF750B7D-4FE7-4871-9D21-A018CE806F13}" type="slidenum">
               <a:t>&lt;#&gt;</a:t>
             </a:fld>
           </a:p>
@@ -6593,7 +6593,7 @@
         <p:txBody>
           <a:bodyPr/>
           <a:p>
-            <a:fld id="{DBF6FDD6-4872-444F-8904-5BEBBBF6FE4D}" type="slidenum">
+            <a:fld id="{EB8FE049-519E-46C2-95AC-CE827C7AAAF0}" type="slidenum">
               <a:t>&lt;#&gt;</a:t>
             </a:fld>
           </a:p>
@@ -6662,7 +6662,7 @@
         <p:spPr>
           <a:xfrm>
             <a:off x="3028680" y="4771440"/>
-            <a:ext cx="3082680" cy="270720"/>
+            <a:ext cx="3082320" cy="270360"/>
           </a:xfrm>
           <a:prstGeom prst="rect">
             <a:avLst/>
@@ -6727,7 +6727,7 @@
         <p:spPr>
           <a:xfrm>
             <a:off x="6457680" y="4771440"/>
-            <a:ext cx="2054160" cy="270720"/>
+            <a:ext cx="2053800" cy="270360"/>
           </a:xfrm>
           <a:prstGeom prst="rect">
             <a:avLst/>
@@ -6763,7 +6763,7 @@
               </a:lnSpc>
               <a:buNone/>
             </a:pPr>
-            <a:fld id="{6C3A88CA-4B6B-482A-9F77-6FB8247244F9}" type="slidenum">
+            <a:fld id="{0071A940-C9B2-4AC7-9CC5-3B2A895DC697}" type="slidenum">
               <a:rPr b="0" lang="en-US" sz="1200" spc="-1" strike="noStrike">
                 <a:solidFill>
                   <a:srgbClr val="8b8b8b"/>
@@ -6792,7 +6792,7 @@
         <p:spPr>
           <a:xfrm>
             <a:off x="628200" y="4771440"/>
-            <a:ext cx="2054160" cy="270720"/>
+            <a:ext cx="2053800" cy="270360"/>
           </a:xfrm>
           <a:prstGeom prst="rect">
             <a:avLst/>
@@ -6861,43 +6861,7 @@
               <a:rPr b="0" lang="en-US" sz="4400" spc="-1" strike="noStrike">
                 <a:latin typeface="Arial"/>
               </a:rPr>
-              <a:t>Click </a:t>
-            </a:r>
-            <a:r>
-              <a:rPr b="0" lang="en-US" sz="4400" spc="-1" strike="noStrike">
-                <a:latin typeface="Arial"/>
-              </a:rPr>
-              <a:t>to edit </a:t>
-            </a:r>
-            <a:r>
-              <a:rPr b="0" lang="en-US" sz="4400" spc="-1" strike="noStrike">
-                <a:latin typeface="Arial"/>
-              </a:rPr>
-              <a:t>the </a:t>
-            </a:r>
-            <a:r>
-              <a:rPr b="0" lang="en-US" sz="4400" spc="-1" strike="noStrike">
-                <a:latin typeface="Arial"/>
-              </a:rPr>
-              <a:t>title </a:t>
-            </a:r>
-            <a:r>
-              <a:rPr b="0" lang="en-US" sz="4400" spc="-1" strike="noStrike">
-                <a:latin typeface="Arial"/>
-              </a:rPr>
-              <a:t>text </a:t>
-            </a:r>
-            <a:r>
-              <a:rPr b="0" lang="en-US" sz="4400" spc="-1" strike="noStrike">
-                <a:latin typeface="Arial"/>
-              </a:rPr>
-              <a:t>forma</a:t>
-            </a:r>
-            <a:r>
-              <a:rPr b="0" lang="en-US" sz="4400" spc="-1" strike="noStrike">
-                <a:latin typeface="Arial"/>
-              </a:rPr>
-              <a:t>t</a:t>
+              <a:t>Click to edit the title text format</a:t>
             </a:r>
             <a:endParaRPr b="0" lang="en-US" sz="4400" spc="-1" strike="noStrike">
               <a:latin typeface="Arial"/>
@@ -7140,8 +7104,8 @@
         </p:nvSpPr>
         <p:spPr>
           <a:xfrm rot="2744400">
-            <a:off x="-281520" y="-25920"/>
-            <a:ext cx="704880" cy="704520"/>
+            <a:off x="-281160" y="-25920"/>
+            <a:ext cx="704520" cy="704160"/>
           </a:xfrm>
           <a:prstGeom prst="roundRect">
             <a:avLst>
@@ -7179,7 +7143,7 @@
         <p:spPr>
           <a:xfrm rot="2625600">
             <a:off x="6024960" y="4332960"/>
-            <a:ext cx="468720" cy="468720"/>
+            <a:ext cx="468360" cy="468360"/>
           </a:xfrm>
           <a:prstGeom prst="roundRect">
             <a:avLst>
@@ -7216,8 +7180,8 @@
         </p:nvSpPr>
         <p:spPr>
           <a:xfrm rot="18679200">
-            <a:off x="7004160" y="948600"/>
-            <a:ext cx="4940280" cy="4666680"/>
+            <a:off x="7003800" y="948600"/>
+            <a:ext cx="4939920" cy="4666320"/>
           </a:xfrm>
           <a:prstGeom prst="roundRect">
             <a:avLst>
@@ -7255,7 +7219,7 @@
         <p:spPr>
           <a:xfrm>
             <a:off x="459720" y="4671360"/>
-            <a:ext cx="2995920" cy="266760"/>
+            <a:ext cx="2995560" cy="266400"/>
           </a:xfrm>
           <a:prstGeom prst="rect">
             <a:avLst/>
@@ -7320,8 +7284,8 @@
         </p:blipFill>
         <p:spPr>
           <a:xfrm>
-            <a:off x="2423160" y="4671720"/>
-            <a:ext cx="288360" cy="288360"/>
+            <a:off x="3035160" y="4743720"/>
+            <a:ext cx="288000" cy="288000"/>
           </a:xfrm>
           <a:prstGeom prst="rect">
             <a:avLst/>
@@ -7340,7 +7304,7 @@
         <p:spPr>
           <a:xfrm>
             <a:off x="484920" y="1681560"/>
-            <a:ext cx="5481360" cy="1882800"/>
+            <a:ext cx="5481000" cy="1882440"/>
           </a:xfrm>
           <a:prstGeom prst="rect">
             <a:avLst/>
@@ -7428,8 +7392,8 @@
         </p:nvSpPr>
         <p:spPr>
           <a:xfrm rot="2744400">
-            <a:off x="-281520" y="-25920"/>
-            <a:ext cx="704880" cy="704520"/>
+            <a:off x="-281160" y="-25920"/>
+            <a:ext cx="704520" cy="704160"/>
           </a:xfrm>
           <a:prstGeom prst="roundRect">
             <a:avLst>
@@ -7467,7 +7431,7 @@
         <p:spPr>
           <a:xfrm rot="2332200">
             <a:off x="6009480" y="-319680"/>
-            <a:ext cx="4856040" cy="7727040"/>
+            <a:ext cx="4855680" cy="7726680"/>
           </a:xfrm>
           <a:prstGeom prst="roundRect">
             <a:avLst>
@@ -7505,9 +7469,9 @@
         <p:grpSpPr>
           <a:xfrm>
             <a:off x="4571640" y="828000"/>
-            <a:ext cx="4468680" cy="3564720"/>
+            <a:ext cx="4468320" cy="3564360"/>
             <a:chOff x="4571640" y="828000"/>
-            <a:chExt cx="4468680" cy="3564720"/>
+            <a:chExt cx="4468320" cy="3564360"/>
           </a:xfrm>
         </p:grpSpPr>
         <p:pic>
@@ -7523,7 +7487,7 @@
           <p:spPr>
             <a:xfrm>
               <a:off x="4571640" y="828000"/>
-              <a:ext cx="4468680" cy="3564720"/>
+              <a:ext cx="4468320" cy="3564360"/>
             </a:xfrm>
             <a:prstGeom prst="rect">
               <a:avLst/>
@@ -7541,8 +7505,8 @@
           </p:nvSpPr>
           <p:spPr>
             <a:xfrm rot="16200000">
-              <a:off x="5962680" y="1158480"/>
-              <a:ext cx="1737720" cy="2771640"/>
+              <a:off x="5962680" y="1158840"/>
+              <a:ext cx="1737360" cy="2771280"/>
             </a:xfrm>
             <a:prstGeom prst="roundRect">
               <a:avLst>
@@ -7609,7 +7573,7 @@
         <p:spPr>
           <a:xfrm>
             <a:off x="5446080" y="1672200"/>
-            <a:ext cx="2771280" cy="1737720"/>
+            <a:ext cx="2770920" cy="1737360"/>
           </a:xfrm>
           <a:prstGeom prst="rect">
             <a:avLst/>
@@ -7661,7 +7625,7 @@
         <p:spPr>
           <a:xfrm>
             <a:off x="586440" y="1246680"/>
-            <a:ext cx="4004640" cy="3600360"/>
+            <a:ext cx="4004280" cy="3600000"/>
           </a:xfrm>
           <a:prstGeom prst="rect">
             <a:avLst/>
@@ -7713,7 +7677,7 @@
         <p:spPr>
           <a:xfrm>
             <a:off x="586440" y="453960"/>
-            <a:ext cx="4764600" cy="855720"/>
+            <a:ext cx="4764240" cy="855360"/>
           </a:xfrm>
           <a:prstGeom prst="rect">
             <a:avLst/>
@@ -7802,7 +7766,7 @@
         <p:spPr>
           <a:xfrm rot="2745600">
             <a:off x="8349840" y="-668160"/>
-            <a:ext cx="1498680" cy="1498680"/>
+            <a:ext cx="1498320" cy="1498320"/>
           </a:xfrm>
           <a:prstGeom prst="roundRect">
             <a:avLst>
@@ -7839,8 +7803,8 @@
         </p:nvSpPr>
         <p:spPr>
           <a:xfrm rot="2745600">
-            <a:off x="7634160" y="-322560"/>
-            <a:ext cx="807480" cy="807840"/>
+            <a:off x="7634160" y="-322200"/>
+            <a:ext cx="807120" cy="807480"/>
           </a:xfrm>
           <a:prstGeom prst="roundRect">
             <a:avLst>
@@ -7879,7 +7843,7 @@
         <p:spPr>
           <a:xfrm>
             <a:off x="586440" y="899640"/>
-            <a:ext cx="7932240" cy="1537560"/>
+            <a:ext cx="7931880" cy="1537200"/>
           </a:xfrm>
           <a:prstGeom prst="rect">
             <a:avLst/>
@@ -7931,7 +7895,7 @@
         <p:spPr>
           <a:xfrm>
             <a:off x="608040" y="2545560"/>
-            <a:ext cx="3712680" cy="2256120"/>
+            <a:ext cx="3712320" cy="2255760"/>
           </a:xfrm>
           <a:prstGeom prst="rect">
             <a:avLst/>
@@ -7983,7 +7947,7 @@
         <p:spPr>
           <a:xfrm>
             <a:off x="4806360" y="2545560"/>
-            <a:ext cx="3712680" cy="2256120"/>
+            <a:ext cx="3712320" cy="2255760"/>
           </a:xfrm>
           <a:prstGeom prst="rect">
             <a:avLst/>
@@ -8035,7 +7999,7 @@
         <p:spPr>
           <a:xfrm>
             <a:off x="583200" y="450720"/>
-            <a:ext cx="7198560" cy="512640"/>
+            <a:ext cx="7198200" cy="512280"/>
           </a:xfrm>
           <a:prstGeom prst="rect">
             <a:avLst/>
@@ -8117,7 +8081,7 @@
         <p:spPr>
           <a:xfrm>
             <a:off x="586440" y="1246680"/>
-            <a:ext cx="4004640" cy="3600360"/>
+            <a:ext cx="4004280" cy="3600000"/>
           </a:xfrm>
           <a:prstGeom prst="rect">
             <a:avLst/>
@@ -8169,7 +8133,7 @@
         <p:spPr>
           <a:xfrm>
             <a:off x="559800" y="446040"/>
-            <a:ext cx="4284000" cy="684000"/>
+            <a:ext cx="4283640" cy="683640"/>
           </a:xfrm>
           <a:prstGeom prst="rect">
             <a:avLst/>
@@ -8221,7 +8185,7 @@
         <p:spPr>
           <a:xfrm>
             <a:off x="5097600" y="360"/>
-            <a:ext cx="4380120" cy="5144400"/>
+            <a:ext cx="4379760" cy="5144040"/>
           </a:xfrm>
           <a:prstGeom prst="roundRect">
             <a:avLst>
@@ -8286,8 +8250,8 @@
         </p:nvSpPr>
         <p:spPr>
           <a:xfrm rot="2744400">
-            <a:off x="-281520" y="-25920"/>
-            <a:ext cx="704880" cy="704520"/>
+            <a:off x="-281160" y="-25920"/>
+            <a:ext cx="704520" cy="704160"/>
           </a:xfrm>
           <a:prstGeom prst="roundRect">
             <a:avLst>
@@ -8325,7 +8289,7 @@
         <p:spPr>
           <a:xfrm rot="2625600">
             <a:off x="4861080" y="4146840"/>
-            <a:ext cx="468720" cy="468720"/>
+            <a:ext cx="468360" cy="468360"/>
           </a:xfrm>
           <a:prstGeom prst="roundRect">
             <a:avLst>
@@ -8399,8 +8363,8 @@
         </p:nvSpPr>
         <p:spPr>
           <a:xfrm rot="2744400">
-            <a:off x="-350640" y="4540320"/>
-            <a:ext cx="704880" cy="704520"/>
+            <a:off x="-350280" y="4539960"/>
+            <a:ext cx="704520" cy="704160"/>
           </a:xfrm>
           <a:prstGeom prst="roundRect">
             <a:avLst>
@@ -8437,8 +8401,8 @@
         </p:nvSpPr>
         <p:spPr>
           <a:xfrm rot="19228200">
-            <a:off x="5846760" y="-2266920"/>
-            <a:ext cx="4855680" cy="7726680"/>
+            <a:off x="5846400" y="-2266560"/>
+            <a:ext cx="4855320" cy="7726320"/>
           </a:xfrm>
           <a:prstGeom prst="roundRect">
             <a:avLst>
@@ -8476,9 +8440,9 @@
         <p:grpSpPr>
           <a:xfrm>
             <a:off x="4571640" y="828000"/>
-            <a:ext cx="4468680" cy="3564720"/>
+            <a:ext cx="4468320" cy="3564360"/>
             <a:chOff x="4571640" y="828000"/>
-            <a:chExt cx="4468680" cy="3564720"/>
+            <a:chExt cx="4468320" cy="3564360"/>
           </a:xfrm>
         </p:grpSpPr>
         <p:pic>
@@ -8494,7 +8458,7 @@
           <p:spPr>
             <a:xfrm>
               <a:off x="4571640" y="828000"/>
-              <a:ext cx="4468680" cy="3564720"/>
+              <a:ext cx="4468320" cy="3564360"/>
             </a:xfrm>
             <a:prstGeom prst="rect">
               <a:avLst/>
@@ -8512,8 +8476,8 @@
           </p:nvSpPr>
           <p:spPr>
             <a:xfrm rot="16200000">
-              <a:off x="5962680" y="1158480"/>
-              <a:ext cx="1737720" cy="2771640"/>
+              <a:off x="5962680" y="1158840"/>
+              <a:ext cx="1737360" cy="2771280"/>
             </a:xfrm>
             <a:prstGeom prst="roundRect">
               <a:avLst>
@@ -8580,7 +8544,7 @@
         <p:spPr>
           <a:xfrm>
             <a:off x="586440" y="1246680"/>
-            <a:ext cx="4004640" cy="3600360"/>
+            <a:ext cx="4004280" cy="3600000"/>
           </a:xfrm>
           <a:prstGeom prst="rect">
             <a:avLst/>
@@ -8632,7 +8596,7 @@
         <p:spPr>
           <a:xfrm>
             <a:off x="5446080" y="1672200"/>
-            <a:ext cx="2780640" cy="1737720"/>
+            <a:ext cx="2780280" cy="1737360"/>
           </a:xfrm>
           <a:prstGeom prst="rect">
             <a:avLst/>
@@ -8684,7 +8648,7 @@
         <p:spPr>
           <a:xfrm>
             <a:off x="586440" y="453960"/>
-            <a:ext cx="3697200" cy="855720"/>
+            <a:ext cx="3696840" cy="855360"/>
           </a:xfrm>
           <a:prstGeom prst="rect">
             <a:avLst/>
@@ -8773,7 +8737,7 @@
         <p:spPr>
           <a:xfrm>
             <a:off x="4222080" y="1246680"/>
-            <a:ext cx="4115520" cy="3600360"/>
+            <a:ext cx="4115160" cy="3600000"/>
           </a:xfrm>
           <a:prstGeom prst="rect">
             <a:avLst/>
@@ -8824,8 +8788,8 @@
         </p:nvSpPr>
         <p:spPr>
           <a:xfrm rot="16200000">
-            <a:off x="-2181600" y="1733040"/>
-            <a:ext cx="5144400" cy="1684440"/>
+            <a:off x="-2181600" y="1733400"/>
+            <a:ext cx="5144040" cy="1684080"/>
           </a:xfrm>
           <a:prstGeom prst="roundRect">
             <a:avLst>
@@ -8862,8 +8826,8 @@
         </p:nvSpPr>
         <p:spPr>
           <a:xfrm rot="2745000">
-            <a:off x="8575200" y="104040"/>
-            <a:ext cx="1132920" cy="1132560"/>
+            <a:off x="8575200" y="103680"/>
+            <a:ext cx="1132560" cy="1132200"/>
           </a:xfrm>
           <a:prstGeom prst="roundRect">
             <a:avLst>
@@ -8900,8 +8864,8 @@
         </p:nvSpPr>
         <p:spPr>
           <a:xfrm rot="16200000">
-            <a:off x="614880" y="918360"/>
-            <a:ext cx="3232440" cy="3314160"/>
+            <a:off x="614880" y="918720"/>
+            <a:ext cx="3232080" cy="3313800"/>
           </a:xfrm>
           <a:prstGeom prst="roundRect">
             <a:avLst>
@@ -8967,7 +8931,7 @@
         <p:spPr>
           <a:xfrm>
             <a:off x="4214160" y="456120"/>
-            <a:ext cx="4112280" cy="855720"/>
+            <a:ext cx="4111920" cy="855360"/>
           </a:xfrm>
           <a:prstGeom prst="rect">
             <a:avLst/>
@@ -9055,8 +9019,8 @@
         </p:nvSpPr>
         <p:spPr>
           <a:xfrm rot="2744400">
-            <a:off x="-281520" y="-25920"/>
-            <a:ext cx="704880" cy="704520"/>
+            <a:off x="-281160" y="-25920"/>
+            <a:ext cx="704520" cy="704160"/>
           </a:xfrm>
           <a:prstGeom prst="roundRect">
             <a:avLst>
@@ -9094,7 +9058,7 @@
         <p:spPr>
           <a:xfrm rot="2332200">
             <a:off x="6009480" y="-319680"/>
-            <a:ext cx="4856040" cy="7727040"/>
+            <a:ext cx="4855680" cy="7726680"/>
           </a:xfrm>
           <a:prstGeom prst="roundRect">
             <a:avLst>
@@ -9132,9 +9096,9 @@
         <p:grpSpPr>
           <a:xfrm>
             <a:off x="4571640" y="828000"/>
-            <a:ext cx="4468680" cy="3564720"/>
+            <a:ext cx="4468320" cy="3564360"/>
             <a:chOff x="4571640" y="828000"/>
-            <a:chExt cx="4468680" cy="3564720"/>
+            <a:chExt cx="4468320" cy="3564360"/>
           </a:xfrm>
         </p:grpSpPr>
         <p:pic>
@@ -9150,7 +9114,7 @@
           <p:spPr>
             <a:xfrm>
               <a:off x="4571640" y="828000"/>
-              <a:ext cx="4468680" cy="3564720"/>
+              <a:ext cx="4468320" cy="3564360"/>
             </a:xfrm>
             <a:prstGeom prst="rect">
               <a:avLst/>
@@ -9168,8 +9132,8 @@
           </p:nvSpPr>
           <p:spPr>
             <a:xfrm rot="16200000">
-              <a:off x="5962680" y="1158480"/>
-              <a:ext cx="1737720" cy="2771640"/>
+              <a:off x="5962680" y="1158840"/>
+              <a:ext cx="1737360" cy="2771280"/>
             </a:xfrm>
             <a:prstGeom prst="roundRect">
               <a:avLst>
@@ -9236,7 +9200,7 @@
         <p:spPr>
           <a:xfrm>
             <a:off x="5446080" y="1672200"/>
-            <a:ext cx="2771280" cy="1737720"/>
+            <a:ext cx="2770920" cy="1737360"/>
           </a:xfrm>
           <a:prstGeom prst="rect">
             <a:avLst/>
@@ -9288,7 +9252,7 @@
         <p:spPr>
           <a:xfrm>
             <a:off x="586440" y="1246680"/>
-            <a:ext cx="4004640" cy="3600360"/>
+            <a:ext cx="4004280" cy="3600000"/>
           </a:xfrm>
           <a:prstGeom prst="rect">
             <a:avLst/>
@@ -9340,7 +9304,7 @@
         <p:spPr>
           <a:xfrm>
             <a:off x="586440" y="453960"/>
-            <a:ext cx="4764600" cy="855720"/>
+            <a:ext cx="4764240" cy="855360"/>
           </a:xfrm>
           <a:prstGeom prst="rect">
             <a:avLst/>
@@ -9429,7 +9393,7 @@
         <p:spPr>
           <a:xfrm rot="2745600">
             <a:off x="8349840" y="-668160"/>
-            <a:ext cx="1498680" cy="1498680"/>
+            <a:ext cx="1498320" cy="1498320"/>
           </a:xfrm>
           <a:prstGeom prst="roundRect">
             <a:avLst>
@@ -9466,8 +9430,8 @@
         </p:nvSpPr>
         <p:spPr>
           <a:xfrm rot="2745600">
-            <a:off x="7634160" y="-322560"/>
-            <a:ext cx="807480" cy="807840"/>
+            <a:off x="7634160" y="-322200"/>
+            <a:ext cx="807120" cy="807480"/>
           </a:xfrm>
           <a:prstGeom prst="roundRect">
             <a:avLst>
@@ -9506,7 +9470,7 @@
         <p:spPr>
           <a:xfrm>
             <a:off x="586440" y="899640"/>
-            <a:ext cx="7932240" cy="1537560"/>
+            <a:ext cx="7931880" cy="1537200"/>
           </a:xfrm>
           <a:prstGeom prst="rect">
             <a:avLst/>
@@ -9558,7 +9522,7 @@
         <p:spPr>
           <a:xfrm>
             <a:off x="608040" y="2545560"/>
-            <a:ext cx="3712680" cy="2256120"/>
+            <a:ext cx="3712320" cy="2255760"/>
           </a:xfrm>
           <a:prstGeom prst="rect">
             <a:avLst/>
@@ -9610,7 +9574,7 @@
         <p:spPr>
           <a:xfrm>
             <a:off x="4806360" y="2545560"/>
-            <a:ext cx="3712680" cy="2256120"/>
+            <a:ext cx="3712320" cy="2255760"/>
           </a:xfrm>
           <a:prstGeom prst="rect">
             <a:avLst/>
@@ -9662,7 +9626,7 @@
         <p:spPr>
           <a:xfrm>
             <a:off x="583200" y="450720"/>
-            <a:ext cx="7198560" cy="512640"/>
+            <a:ext cx="7198200" cy="512280"/>
           </a:xfrm>
           <a:prstGeom prst="rect">
             <a:avLst/>
@@ -9744,7 +9708,7 @@
         <p:spPr>
           <a:xfrm>
             <a:off x="586440" y="1246680"/>
-            <a:ext cx="4004640" cy="3600360"/>
+            <a:ext cx="4004280" cy="3600000"/>
           </a:xfrm>
           <a:prstGeom prst="rect">
             <a:avLst/>
@@ -9796,7 +9760,7 @@
         <p:spPr>
           <a:xfrm>
             <a:off x="559800" y="446040"/>
-            <a:ext cx="4284000" cy="684000"/>
+            <a:ext cx="4283640" cy="683640"/>
           </a:xfrm>
           <a:prstGeom prst="rect">
             <a:avLst/>
@@ -9848,7 +9812,7 @@
         <p:spPr>
           <a:xfrm>
             <a:off x="5097600" y="360"/>
-            <a:ext cx="4380120" cy="5144400"/>
+            <a:ext cx="4379760" cy="5144040"/>
           </a:xfrm>
           <a:prstGeom prst="roundRect">
             <a:avLst>
@@ -9913,8 +9877,8 @@
         </p:nvSpPr>
         <p:spPr>
           <a:xfrm rot="2744400">
-            <a:off x="-281520" y="-25920"/>
-            <a:ext cx="704880" cy="704520"/>
+            <a:off x="-281160" y="-25920"/>
+            <a:ext cx="704520" cy="704160"/>
           </a:xfrm>
           <a:prstGeom prst="roundRect">
             <a:avLst>
@@ -9952,7 +9916,7 @@
         <p:spPr>
           <a:xfrm rot="2625600">
             <a:off x="4861080" y="4146840"/>
-            <a:ext cx="468720" cy="468720"/>
+            <a:ext cx="468360" cy="468360"/>
           </a:xfrm>
           <a:prstGeom prst="roundRect">
             <a:avLst>
@@ -10026,8 +9990,8 @@
         </p:nvSpPr>
         <p:spPr>
           <a:xfrm rot="2744400">
-            <a:off x="-350640" y="4540320"/>
-            <a:ext cx="704880" cy="704520"/>
+            <a:off x="-350280" y="4539960"/>
+            <a:ext cx="704520" cy="704160"/>
           </a:xfrm>
           <a:prstGeom prst="roundRect">
             <a:avLst>
@@ -10064,8 +10028,8 @@
         </p:nvSpPr>
         <p:spPr>
           <a:xfrm rot="19228200">
-            <a:off x="5846760" y="-2266920"/>
-            <a:ext cx="4855680" cy="7726680"/>
+            <a:off x="5846400" y="-2266560"/>
+            <a:ext cx="4855320" cy="7726320"/>
           </a:xfrm>
           <a:prstGeom prst="roundRect">
             <a:avLst>
@@ -10103,9 +10067,9 @@
         <p:grpSpPr>
           <a:xfrm>
             <a:off x="4571640" y="828000"/>
-            <a:ext cx="4468680" cy="3564720"/>
+            <a:ext cx="4468320" cy="3564360"/>
             <a:chOff x="4571640" y="828000"/>
-            <a:chExt cx="4468680" cy="3564720"/>
+            <a:chExt cx="4468320" cy="3564360"/>
           </a:xfrm>
         </p:grpSpPr>
         <p:pic>
@@ -10121,7 +10085,7 @@
           <p:spPr>
             <a:xfrm>
               <a:off x="4571640" y="828000"/>
-              <a:ext cx="4468680" cy="3564720"/>
+              <a:ext cx="4468320" cy="3564360"/>
             </a:xfrm>
             <a:prstGeom prst="rect">
               <a:avLst/>
@@ -10139,8 +10103,8 @@
           </p:nvSpPr>
           <p:spPr>
             <a:xfrm rot="16200000">
-              <a:off x="5962680" y="1158480"/>
-              <a:ext cx="1737720" cy="2771640"/>
+              <a:off x="5962680" y="1158840"/>
+              <a:ext cx="1737360" cy="2771280"/>
             </a:xfrm>
             <a:prstGeom prst="roundRect">
               <a:avLst>
@@ -10207,7 +10171,7 @@
         <p:spPr>
           <a:xfrm>
             <a:off x="586440" y="1246680"/>
-            <a:ext cx="4004640" cy="3600360"/>
+            <a:ext cx="4004280" cy="3600000"/>
           </a:xfrm>
           <a:prstGeom prst="rect">
             <a:avLst/>
@@ -10259,7 +10223,7 @@
         <p:spPr>
           <a:xfrm>
             <a:off x="5446080" y="1672200"/>
-            <a:ext cx="2780640" cy="1737720"/>
+            <a:ext cx="2780280" cy="1737360"/>
           </a:xfrm>
           <a:prstGeom prst="rect">
             <a:avLst/>
@@ -10311,7 +10275,7 @@
         <p:spPr>
           <a:xfrm>
             <a:off x="586440" y="453960"/>
-            <a:ext cx="3697200" cy="855720"/>
+            <a:ext cx="3696840" cy="855360"/>
           </a:xfrm>
           <a:prstGeom prst="rect">
             <a:avLst/>
@@ -10400,7 +10364,7 @@
         <p:spPr>
           <a:xfrm>
             <a:off x="4222080" y="1246680"/>
-            <a:ext cx="4115520" cy="3600360"/>
+            <a:ext cx="4115160" cy="3600000"/>
           </a:xfrm>
           <a:prstGeom prst="rect">
             <a:avLst/>
@@ -10451,8 +10415,8 @@
         </p:nvSpPr>
         <p:spPr>
           <a:xfrm rot="16200000">
-            <a:off x="-2181600" y="1733040"/>
-            <a:ext cx="5144400" cy="1684440"/>
+            <a:off x="-2181600" y="1733400"/>
+            <a:ext cx="5144040" cy="1684080"/>
           </a:xfrm>
           <a:prstGeom prst="roundRect">
             <a:avLst>
@@ -10489,8 +10453,8 @@
         </p:nvSpPr>
         <p:spPr>
           <a:xfrm rot="2745000">
-            <a:off x="8575200" y="104040"/>
-            <a:ext cx="1132920" cy="1132560"/>
+            <a:off x="8575200" y="103680"/>
+            <a:ext cx="1132560" cy="1132200"/>
           </a:xfrm>
           <a:prstGeom prst="roundRect">
             <a:avLst>
@@ -10527,8 +10491,8 @@
         </p:nvSpPr>
         <p:spPr>
           <a:xfrm rot="16200000">
-            <a:off x="614880" y="918360"/>
-            <a:ext cx="3232440" cy="3314160"/>
+            <a:off x="614880" y="918720"/>
+            <a:ext cx="3232080" cy="3313800"/>
           </a:xfrm>
           <a:prstGeom prst="roundRect">
             <a:avLst>
@@ -10594,7 +10558,7 @@
         <p:spPr>
           <a:xfrm>
             <a:off x="4214160" y="456120"/>
-            <a:ext cx="4112280" cy="855720"/>
+            <a:ext cx="4111920" cy="855360"/>
           </a:xfrm>
           <a:prstGeom prst="rect">
             <a:avLst/>
@@ -10676,7 +10640,7 @@
         <p:spPr>
           <a:xfrm>
             <a:off x="586440" y="1246680"/>
-            <a:ext cx="4004640" cy="3600360"/>
+            <a:ext cx="4004280" cy="3600000"/>
           </a:xfrm>
           <a:prstGeom prst="rect">
             <a:avLst/>
@@ -10728,7 +10692,7 @@
         <p:spPr>
           <a:xfrm>
             <a:off x="559800" y="446040"/>
-            <a:ext cx="4284000" cy="684000"/>
+            <a:ext cx="4283640" cy="683640"/>
           </a:xfrm>
           <a:prstGeom prst="rect">
             <a:avLst/>
@@ -10780,7 +10744,7 @@
         <p:spPr>
           <a:xfrm>
             <a:off x="5097600" y="360"/>
-            <a:ext cx="4380120" cy="5144400"/>
+            <a:ext cx="4379760" cy="5144040"/>
           </a:xfrm>
           <a:prstGeom prst="roundRect">
             <a:avLst>
@@ -10845,8 +10809,8 @@
         </p:nvSpPr>
         <p:spPr>
           <a:xfrm rot="2744400">
-            <a:off x="-281520" y="-25920"/>
-            <a:ext cx="704880" cy="704520"/>
+            <a:off x="-281160" y="-25920"/>
+            <a:ext cx="704520" cy="704160"/>
           </a:xfrm>
           <a:prstGeom prst="roundRect">
             <a:avLst>
@@ -10884,7 +10848,7 @@
         <p:spPr>
           <a:xfrm rot="2625600">
             <a:off x="4861080" y="4146840"/>
-            <a:ext cx="468720" cy="468720"/>
+            <a:ext cx="468360" cy="468360"/>
           </a:xfrm>
           <a:prstGeom prst="roundRect">
             <a:avLst>
@@ -10958,8 +10922,8 @@
         </p:nvSpPr>
         <p:spPr>
           <a:xfrm rot="2744400">
-            <a:off x="-281520" y="-25920"/>
-            <a:ext cx="704880" cy="704520"/>
+            <a:off x="-281160" y="-25920"/>
+            <a:ext cx="704520" cy="704160"/>
           </a:xfrm>
           <a:prstGeom prst="roundRect">
             <a:avLst>
@@ -10997,7 +10961,7 @@
         <p:spPr>
           <a:xfrm rot="2332200">
             <a:off x="6009480" y="-319680"/>
-            <a:ext cx="4856040" cy="7727040"/>
+            <a:ext cx="4855680" cy="7726680"/>
           </a:xfrm>
           <a:prstGeom prst="roundRect">
             <a:avLst>
@@ -11035,9 +10999,9 @@
         <p:grpSpPr>
           <a:xfrm>
             <a:off x="4571640" y="828000"/>
-            <a:ext cx="4468680" cy="3564720"/>
+            <a:ext cx="4468320" cy="3564360"/>
             <a:chOff x="4571640" y="828000"/>
-            <a:chExt cx="4468680" cy="3564720"/>
+            <a:chExt cx="4468320" cy="3564360"/>
           </a:xfrm>
         </p:grpSpPr>
         <p:pic>
@@ -11053,7 +11017,7 @@
           <p:spPr>
             <a:xfrm>
               <a:off x="4571640" y="828000"/>
-              <a:ext cx="4468680" cy="3564720"/>
+              <a:ext cx="4468320" cy="3564360"/>
             </a:xfrm>
             <a:prstGeom prst="rect">
               <a:avLst/>
@@ -11071,8 +11035,8 @@
           </p:nvSpPr>
           <p:spPr>
             <a:xfrm rot="16200000">
-              <a:off x="5962680" y="1158480"/>
-              <a:ext cx="1737720" cy="2771640"/>
+              <a:off x="5962680" y="1158840"/>
+              <a:ext cx="1737360" cy="2771280"/>
             </a:xfrm>
             <a:prstGeom prst="roundRect">
               <a:avLst>
@@ -11139,7 +11103,7 @@
         <p:spPr>
           <a:xfrm>
             <a:off x="5446080" y="1672200"/>
-            <a:ext cx="2771280" cy="1737720"/>
+            <a:ext cx="2770920" cy="1737360"/>
           </a:xfrm>
           <a:prstGeom prst="rect">
             <a:avLst/>
@@ -11191,7 +11155,7 @@
         <p:spPr>
           <a:xfrm>
             <a:off x="586440" y="1246680"/>
-            <a:ext cx="4004640" cy="3600360"/>
+            <a:ext cx="4004280" cy="3600000"/>
           </a:xfrm>
           <a:prstGeom prst="rect">
             <a:avLst/>
@@ -11243,7 +11207,7 @@
         <p:spPr>
           <a:xfrm>
             <a:off x="586440" y="453960"/>
-            <a:ext cx="4764600" cy="855720"/>
+            <a:ext cx="4764240" cy="855360"/>
           </a:xfrm>
           <a:prstGeom prst="rect">
             <a:avLst/>
@@ -11332,7 +11296,7 @@
         <p:spPr>
           <a:xfrm rot="2745600">
             <a:off x="8349840" y="-668160"/>
-            <a:ext cx="1498680" cy="1498680"/>
+            <a:ext cx="1498320" cy="1498320"/>
           </a:xfrm>
           <a:prstGeom prst="roundRect">
             <a:avLst>
@@ -11369,8 +11333,8 @@
         </p:nvSpPr>
         <p:spPr>
           <a:xfrm rot="2745600">
-            <a:off x="7634160" y="-322560"/>
-            <a:ext cx="807480" cy="807840"/>
+            <a:off x="7634160" y="-322200"/>
+            <a:ext cx="807120" cy="807480"/>
           </a:xfrm>
           <a:prstGeom prst="roundRect">
             <a:avLst>
@@ -11409,7 +11373,7 @@
         <p:spPr>
           <a:xfrm>
             <a:off x="586440" y="899640"/>
-            <a:ext cx="7932240" cy="1537560"/>
+            <a:ext cx="7931880" cy="1537200"/>
           </a:xfrm>
           <a:prstGeom prst="rect">
             <a:avLst/>
@@ -11461,7 +11425,7 @@
         <p:spPr>
           <a:xfrm>
             <a:off x="608040" y="2545560"/>
-            <a:ext cx="3712680" cy="2256120"/>
+            <a:ext cx="3712320" cy="2255760"/>
           </a:xfrm>
           <a:prstGeom prst="rect">
             <a:avLst/>
@@ -11513,7 +11477,7 @@
         <p:spPr>
           <a:xfrm>
             <a:off x="4806360" y="2545560"/>
-            <a:ext cx="3712680" cy="2256120"/>
+            <a:ext cx="3712320" cy="2255760"/>
           </a:xfrm>
           <a:prstGeom prst="rect">
             <a:avLst/>
@@ -11565,7 +11529,7 @@
         <p:spPr>
           <a:xfrm>
             <a:off x="583200" y="450720"/>
-            <a:ext cx="7198560" cy="512640"/>
+            <a:ext cx="7198200" cy="512280"/>
           </a:xfrm>
           <a:prstGeom prst="rect">
             <a:avLst/>
@@ -11647,7 +11611,7 @@
         <p:spPr>
           <a:xfrm>
             <a:off x="586440" y="1246680"/>
-            <a:ext cx="4004640" cy="3600360"/>
+            <a:ext cx="4004280" cy="3600000"/>
           </a:xfrm>
           <a:prstGeom prst="rect">
             <a:avLst/>
@@ -11699,7 +11663,7 @@
         <p:spPr>
           <a:xfrm>
             <a:off x="559800" y="446040"/>
-            <a:ext cx="4284000" cy="684000"/>
+            <a:ext cx="4283640" cy="683640"/>
           </a:xfrm>
           <a:prstGeom prst="rect">
             <a:avLst/>
@@ -11751,7 +11715,7 @@
         <p:spPr>
           <a:xfrm>
             <a:off x="5097600" y="360"/>
-            <a:ext cx="4380120" cy="5144400"/>
+            <a:ext cx="4379760" cy="5144040"/>
           </a:xfrm>
           <a:prstGeom prst="roundRect">
             <a:avLst>
@@ -11816,8 +11780,8 @@
         </p:nvSpPr>
         <p:spPr>
           <a:xfrm rot="2744400">
-            <a:off x="-281520" y="-25920"/>
-            <a:ext cx="704880" cy="704520"/>
+            <a:off x="-281160" y="-25920"/>
+            <a:ext cx="704520" cy="704160"/>
           </a:xfrm>
           <a:prstGeom prst="roundRect">
             <a:avLst>
@@ -11855,7 +11819,7 @@
         <p:spPr>
           <a:xfrm rot="2625600">
             <a:off x="4861080" y="4146840"/>
-            <a:ext cx="468720" cy="468720"/>
+            <a:ext cx="468360" cy="468360"/>
           </a:xfrm>
           <a:prstGeom prst="roundRect">
             <a:avLst>
@@ -11929,8 +11893,8 @@
         </p:nvSpPr>
         <p:spPr>
           <a:xfrm rot="2744400">
-            <a:off x="-350640" y="4540320"/>
-            <a:ext cx="704880" cy="704520"/>
+            <a:off x="-350280" y="4539960"/>
+            <a:ext cx="704520" cy="704160"/>
           </a:xfrm>
           <a:prstGeom prst="roundRect">
             <a:avLst>
@@ -11967,8 +11931,8 @@
         </p:nvSpPr>
         <p:spPr>
           <a:xfrm rot="19228200">
-            <a:off x="5846760" y="-2266920"/>
-            <a:ext cx="4855680" cy="7726680"/>
+            <a:off x="5846400" y="-2266560"/>
+            <a:ext cx="4855320" cy="7726320"/>
           </a:xfrm>
           <a:prstGeom prst="roundRect">
             <a:avLst>
@@ -12006,9 +11970,9 @@
         <p:grpSpPr>
           <a:xfrm>
             <a:off x="4571640" y="828000"/>
-            <a:ext cx="4468680" cy="3564720"/>
+            <a:ext cx="4468320" cy="3564360"/>
             <a:chOff x="4571640" y="828000"/>
-            <a:chExt cx="4468680" cy="3564720"/>
+            <a:chExt cx="4468320" cy="3564360"/>
           </a:xfrm>
         </p:grpSpPr>
         <p:pic>
@@ -12024,7 +11988,7 @@
           <p:spPr>
             <a:xfrm>
               <a:off x="4571640" y="828000"/>
-              <a:ext cx="4468680" cy="3564720"/>
+              <a:ext cx="4468320" cy="3564360"/>
             </a:xfrm>
             <a:prstGeom prst="rect">
               <a:avLst/>
@@ -12042,8 +12006,8 @@
           </p:nvSpPr>
           <p:spPr>
             <a:xfrm rot="16200000">
-              <a:off x="5962680" y="1158480"/>
-              <a:ext cx="1737720" cy="2771640"/>
+              <a:off x="5962680" y="1158840"/>
+              <a:ext cx="1737360" cy="2771280"/>
             </a:xfrm>
             <a:prstGeom prst="roundRect">
               <a:avLst>
@@ -12110,7 +12074,7 @@
         <p:spPr>
           <a:xfrm>
             <a:off x="586440" y="1246680"/>
-            <a:ext cx="4004640" cy="3600360"/>
+            <a:ext cx="4004280" cy="3600000"/>
           </a:xfrm>
           <a:prstGeom prst="rect">
             <a:avLst/>
@@ -12162,7 +12126,7 @@
         <p:spPr>
           <a:xfrm>
             <a:off x="5446080" y="1672200"/>
-            <a:ext cx="2780640" cy="1737720"/>
+            <a:ext cx="2780280" cy="1737360"/>
           </a:xfrm>
           <a:prstGeom prst="rect">
             <a:avLst/>
@@ -12214,7 +12178,7 @@
         <p:spPr>
           <a:xfrm>
             <a:off x="586440" y="453960"/>
-            <a:ext cx="3697200" cy="855720"/>
+            <a:ext cx="3696840" cy="855360"/>
           </a:xfrm>
           <a:prstGeom prst="rect">
             <a:avLst/>
@@ -12303,7 +12267,7 @@
         <p:spPr>
           <a:xfrm>
             <a:off x="4222080" y="1246680"/>
-            <a:ext cx="4115520" cy="3600360"/>
+            <a:ext cx="4115160" cy="3600000"/>
           </a:xfrm>
           <a:prstGeom prst="rect">
             <a:avLst/>
@@ -12354,8 +12318,8 @@
         </p:nvSpPr>
         <p:spPr>
           <a:xfrm rot="16200000">
-            <a:off x="-2181600" y="1733040"/>
-            <a:ext cx="5144400" cy="1684440"/>
+            <a:off x="-2181600" y="1733400"/>
+            <a:ext cx="5144040" cy="1684080"/>
           </a:xfrm>
           <a:prstGeom prst="roundRect">
             <a:avLst>
@@ -12392,8 +12356,8 @@
         </p:nvSpPr>
         <p:spPr>
           <a:xfrm rot="2745000">
-            <a:off x="8575200" y="104040"/>
-            <a:ext cx="1132920" cy="1132560"/>
+            <a:off x="8575200" y="103680"/>
+            <a:ext cx="1132560" cy="1132200"/>
           </a:xfrm>
           <a:prstGeom prst="roundRect">
             <a:avLst>
@@ -12430,8 +12394,8 @@
         </p:nvSpPr>
         <p:spPr>
           <a:xfrm rot="16200000">
-            <a:off x="614880" y="918360"/>
-            <a:ext cx="3232440" cy="3314160"/>
+            <a:off x="614880" y="918720"/>
+            <a:ext cx="3232080" cy="3313800"/>
           </a:xfrm>
           <a:prstGeom prst="roundRect">
             <a:avLst>
@@ -12497,7 +12461,7 @@
         <p:spPr>
           <a:xfrm>
             <a:off x="4214160" y="456120"/>
-            <a:ext cx="4112280" cy="855720"/>
+            <a:ext cx="4111920" cy="855360"/>
           </a:xfrm>
           <a:prstGeom prst="rect">
             <a:avLst/>
@@ -12585,8 +12549,8 @@
         </p:nvSpPr>
         <p:spPr>
           <a:xfrm rot="2744400">
-            <a:off x="-281520" y="-25920"/>
-            <a:ext cx="704880" cy="704520"/>
+            <a:off x="-281160" y="-25920"/>
+            <a:ext cx="704520" cy="704160"/>
           </a:xfrm>
           <a:prstGeom prst="roundRect">
             <a:avLst>
@@ -12624,7 +12588,7 @@
         <p:spPr>
           <a:xfrm rot="2332200">
             <a:off x="6009480" y="-319680"/>
-            <a:ext cx="4856040" cy="7727040"/>
+            <a:ext cx="4855680" cy="7726680"/>
           </a:xfrm>
           <a:prstGeom prst="roundRect">
             <a:avLst>
@@ -12662,9 +12626,9 @@
         <p:grpSpPr>
           <a:xfrm>
             <a:off x="4571640" y="828000"/>
-            <a:ext cx="4468680" cy="3564720"/>
+            <a:ext cx="4468320" cy="3564360"/>
             <a:chOff x="4571640" y="828000"/>
-            <a:chExt cx="4468680" cy="3564720"/>
+            <a:chExt cx="4468320" cy="3564360"/>
           </a:xfrm>
         </p:grpSpPr>
         <p:pic>
@@ -12680,7 +12644,7 @@
           <p:spPr>
             <a:xfrm>
               <a:off x="4571640" y="828000"/>
-              <a:ext cx="4468680" cy="3564720"/>
+              <a:ext cx="4468320" cy="3564360"/>
             </a:xfrm>
             <a:prstGeom prst="rect">
               <a:avLst/>
@@ -12698,8 +12662,8 @@
           </p:nvSpPr>
           <p:spPr>
             <a:xfrm rot="16200000">
-              <a:off x="5962680" y="1158480"/>
-              <a:ext cx="1737720" cy="2771640"/>
+              <a:off x="5962680" y="1158840"/>
+              <a:ext cx="1737360" cy="2771280"/>
             </a:xfrm>
             <a:prstGeom prst="roundRect">
               <a:avLst>
@@ -12766,7 +12730,7 @@
         <p:spPr>
           <a:xfrm>
             <a:off x="5446080" y="1672200"/>
-            <a:ext cx="2771280" cy="1737720"/>
+            <a:ext cx="2770920" cy="1737360"/>
           </a:xfrm>
           <a:prstGeom prst="rect">
             <a:avLst/>
@@ -12818,7 +12782,7 @@
         <p:spPr>
           <a:xfrm>
             <a:off x="586440" y="1246680"/>
-            <a:ext cx="4004640" cy="3600360"/>
+            <a:ext cx="4004280" cy="3600000"/>
           </a:xfrm>
           <a:prstGeom prst="rect">
             <a:avLst/>
@@ -12870,7 +12834,7 @@
         <p:spPr>
           <a:xfrm>
             <a:off x="586440" y="453960"/>
-            <a:ext cx="4764600" cy="855720"/>
+            <a:ext cx="4764240" cy="855360"/>
           </a:xfrm>
           <a:prstGeom prst="rect">
             <a:avLst/>
@@ -12959,7 +12923,7 @@
         <p:spPr>
           <a:xfrm rot="2745600">
             <a:off x="8349840" y="-668160"/>
-            <a:ext cx="1498680" cy="1498680"/>
+            <a:ext cx="1498320" cy="1498320"/>
           </a:xfrm>
           <a:prstGeom prst="roundRect">
             <a:avLst>
@@ -12996,8 +12960,8 @@
         </p:nvSpPr>
         <p:spPr>
           <a:xfrm rot="2745600">
-            <a:off x="7634160" y="-322560"/>
-            <a:ext cx="807480" cy="807840"/>
+            <a:off x="7634160" y="-322200"/>
+            <a:ext cx="807120" cy="807480"/>
           </a:xfrm>
           <a:prstGeom prst="roundRect">
             <a:avLst>
@@ -13036,7 +13000,7 @@
         <p:spPr>
           <a:xfrm>
             <a:off x="586440" y="899640"/>
-            <a:ext cx="7932240" cy="1537560"/>
+            <a:ext cx="7931880" cy="1537200"/>
           </a:xfrm>
           <a:prstGeom prst="rect">
             <a:avLst/>
@@ -13088,7 +13052,7 @@
         <p:spPr>
           <a:xfrm>
             <a:off x="608040" y="2545560"/>
-            <a:ext cx="3712680" cy="2256120"/>
+            <a:ext cx="3712320" cy="2255760"/>
           </a:xfrm>
           <a:prstGeom prst="rect">
             <a:avLst/>
@@ -13140,7 +13104,7 @@
         <p:spPr>
           <a:xfrm>
             <a:off x="4806360" y="2545560"/>
-            <a:ext cx="3712680" cy="2256120"/>
+            <a:ext cx="3712320" cy="2255760"/>
           </a:xfrm>
           <a:prstGeom prst="rect">
             <a:avLst/>
@@ -13192,7 +13156,7 @@
         <p:spPr>
           <a:xfrm>
             <a:off x="583200" y="450720"/>
-            <a:ext cx="7198560" cy="512640"/>
+            <a:ext cx="7198200" cy="512280"/>
           </a:xfrm>
           <a:prstGeom prst="rect">
             <a:avLst/>
@@ -13274,7 +13238,7 @@
         <p:spPr>
           <a:xfrm>
             <a:off x="586440" y="1246680"/>
-            <a:ext cx="4004640" cy="3600360"/>
+            <a:ext cx="4004280" cy="3600000"/>
           </a:xfrm>
           <a:prstGeom prst="rect">
             <a:avLst/>
@@ -13326,7 +13290,7 @@
         <p:spPr>
           <a:xfrm>
             <a:off x="559800" y="446040"/>
-            <a:ext cx="4284000" cy="684000"/>
+            <a:ext cx="4283640" cy="683640"/>
           </a:xfrm>
           <a:prstGeom prst="rect">
             <a:avLst/>
@@ -13378,7 +13342,7 @@
         <p:spPr>
           <a:xfrm>
             <a:off x="5097600" y="360"/>
-            <a:ext cx="4380120" cy="5144400"/>
+            <a:ext cx="4379760" cy="5144040"/>
           </a:xfrm>
           <a:prstGeom prst="roundRect">
             <a:avLst>
@@ -13443,8 +13407,8 @@
         </p:nvSpPr>
         <p:spPr>
           <a:xfrm rot="2744400">
-            <a:off x="-281520" y="-25920"/>
-            <a:ext cx="704880" cy="704520"/>
+            <a:off x="-281160" y="-25920"/>
+            <a:ext cx="704520" cy="704160"/>
           </a:xfrm>
           <a:prstGeom prst="roundRect">
             <a:avLst>
@@ -13482,7 +13446,7 @@
         <p:spPr>
           <a:xfrm rot="2625600">
             <a:off x="4861080" y="4146840"/>
-            <a:ext cx="468720" cy="468720"/>
+            <a:ext cx="468360" cy="468360"/>
           </a:xfrm>
           <a:prstGeom prst="roundRect">
             <a:avLst>
@@ -13556,8 +13520,8 @@
         </p:nvSpPr>
         <p:spPr>
           <a:xfrm rot="2744400">
-            <a:off x="-281520" y="-25920"/>
-            <a:ext cx="704880" cy="704520"/>
+            <a:off x="-281160" y="-25920"/>
+            <a:ext cx="704520" cy="704160"/>
           </a:xfrm>
           <a:prstGeom prst="roundRect">
             <a:avLst>
@@ -13595,7 +13559,7 @@
         <p:spPr>
           <a:xfrm>
             <a:off x="569160" y="1888920"/>
-            <a:ext cx="4821480" cy="820800"/>
+            <a:ext cx="4821120" cy="820800"/>
           </a:xfrm>
           <a:prstGeom prst="rect">
             <a:avLst/>
@@ -13646,8 +13610,8 @@
         </p:nvSpPr>
         <p:spPr>
           <a:xfrm rot="18679800">
-            <a:off x="6782400" y="457560"/>
-            <a:ext cx="6251040" cy="4666680"/>
+            <a:off x="6782040" y="457560"/>
+            <a:ext cx="6250680" cy="4666320"/>
           </a:xfrm>
           <a:prstGeom prst="roundRect">
             <a:avLst>
@@ -13685,7 +13649,7 @@
         <p:spPr>
           <a:xfrm rot="2625600">
             <a:off x="6024960" y="4332960"/>
-            <a:ext cx="468720" cy="468720"/>
+            <a:ext cx="468360" cy="468360"/>
           </a:xfrm>
           <a:prstGeom prst="roundRect">
             <a:avLst>
@@ -13723,7 +13687,7 @@
         <p:spPr>
           <a:xfrm>
             <a:off x="1640880" y="4592880"/>
-            <a:ext cx="2995920" cy="266760"/>
+            <a:ext cx="2995560" cy="266400"/>
           </a:xfrm>
           <a:prstGeom prst="rect">
             <a:avLst/>
@@ -13785,7 +13749,7 @@
         <p:spPr>
           <a:xfrm>
             <a:off x="867240" y="3590280"/>
-            <a:ext cx="253800" cy="254160"/>
+            <a:ext cx="253440" cy="253800"/>
           </a:xfrm>
           <a:prstGeom prst="ellipse">
             <a:avLst/>
@@ -13820,7 +13784,7 @@
         <p:spPr>
           <a:xfrm>
             <a:off x="351000" y="3793320"/>
-            <a:ext cx="1286280" cy="1131840"/>
+            <a:ext cx="1285920" cy="1131480"/>
           </a:xfrm>
           <a:prstGeom prst="rect">
             <a:avLst/>
@@ -13875,8 +13839,8 @@
         </p:nvSpPr>
         <p:spPr>
           <a:xfrm rot="2744400">
-            <a:off x="-350640" y="4540320"/>
-            <a:ext cx="704880" cy="704520"/>
+            <a:off x="-350280" y="4539960"/>
+            <a:ext cx="704520" cy="704160"/>
           </a:xfrm>
           <a:prstGeom prst="roundRect">
             <a:avLst>
@@ -13913,8 +13877,8 @@
         </p:nvSpPr>
         <p:spPr>
           <a:xfrm rot="19228200">
-            <a:off x="5846760" y="-2266920"/>
-            <a:ext cx="4855680" cy="7726680"/>
+            <a:off x="5846400" y="-2266560"/>
+            <a:ext cx="4855320" cy="7726320"/>
           </a:xfrm>
           <a:prstGeom prst="roundRect">
             <a:avLst>
@@ -13952,9 +13916,9 @@
         <p:grpSpPr>
           <a:xfrm>
             <a:off x="4571640" y="828000"/>
-            <a:ext cx="4468680" cy="3564720"/>
+            <a:ext cx="4468320" cy="3564360"/>
             <a:chOff x="4571640" y="828000"/>
-            <a:chExt cx="4468680" cy="3564720"/>
+            <a:chExt cx="4468320" cy="3564360"/>
           </a:xfrm>
         </p:grpSpPr>
         <p:pic>
@@ -13970,7 +13934,7 @@
           <p:spPr>
             <a:xfrm>
               <a:off x="4571640" y="828000"/>
-              <a:ext cx="4468680" cy="3564720"/>
+              <a:ext cx="4468320" cy="3564360"/>
             </a:xfrm>
             <a:prstGeom prst="rect">
               <a:avLst/>
@@ -13988,8 +13952,8 @@
           </p:nvSpPr>
           <p:spPr>
             <a:xfrm rot="16200000">
-              <a:off x="5962680" y="1158480"/>
-              <a:ext cx="1737720" cy="2771640"/>
+              <a:off x="5962680" y="1158840"/>
+              <a:ext cx="1737360" cy="2771280"/>
             </a:xfrm>
             <a:prstGeom prst="roundRect">
               <a:avLst>
@@ -14056,7 +14020,7 @@
         <p:spPr>
           <a:xfrm>
             <a:off x="586440" y="1246680"/>
-            <a:ext cx="4004640" cy="3600360"/>
+            <a:ext cx="4004280" cy="3600000"/>
           </a:xfrm>
           <a:prstGeom prst="rect">
             <a:avLst/>
@@ -14108,7 +14072,7 @@
         <p:spPr>
           <a:xfrm>
             <a:off x="5446080" y="1672200"/>
-            <a:ext cx="2780640" cy="1737720"/>
+            <a:ext cx="2780280" cy="1737360"/>
           </a:xfrm>
           <a:prstGeom prst="rect">
             <a:avLst/>
@@ -14160,7 +14124,7 @@
         <p:spPr>
           <a:xfrm>
             <a:off x="586440" y="453960"/>
-            <a:ext cx="3697200" cy="855720"/>
+            <a:ext cx="3696840" cy="855360"/>
           </a:xfrm>
           <a:prstGeom prst="rect">
             <a:avLst/>
@@ -14249,7 +14213,7 @@
         <p:spPr>
           <a:xfrm>
             <a:off x="4222080" y="1246680"/>
-            <a:ext cx="4115520" cy="3600360"/>
+            <a:ext cx="4115160" cy="3600000"/>
           </a:xfrm>
           <a:prstGeom prst="rect">
             <a:avLst/>
@@ -14300,8 +14264,8 @@
         </p:nvSpPr>
         <p:spPr>
           <a:xfrm rot="16200000">
-            <a:off x="-2181600" y="1733040"/>
-            <a:ext cx="5144400" cy="1684440"/>
+            <a:off x="-2181600" y="1733400"/>
+            <a:ext cx="5144040" cy="1684080"/>
           </a:xfrm>
           <a:prstGeom prst="roundRect">
             <a:avLst>
@@ -14338,8 +14302,8 @@
         </p:nvSpPr>
         <p:spPr>
           <a:xfrm rot="2745000">
-            <a:off x="8575200" y="104040"/>
-            <a:ext cx="1132920" cy="1132560"/>
+            <a:off x="8575200" y="103680"/>
+            <a:ext cx="1132560" cy="1132200"/>
           </a:xfrm>
           <a:prstGeom prst="roundRect">
             <a:avLst>
@@ -14376,8 +14340,8 @@
         </p:nvSpPr>
         <p:spPr>
           <a:xfrm rot="16200000">
-            <a:off x="614880" y="918360"/>
-            <a:ext cx="3232440" cy="3314160"/>
+            <a:off x="614880" y="918720"/>
+            <a:ext cx="3232080" cy="3313800"/>
           </a:xfrm>
           <a:prstGeom prst="roundRect">
             <a:avLst>
@@ -14443,7 +14407,7 @@
         <p:spPr>
           <a:xfrm>
             <a:off x="4214160" y="456120"/>
-            <a:ext cx="4112280" cy="855720"/>
+            <a:ext cx="4111920" cy="855360"/>
           </a:xfrm>
           <a:prstGeom prst="rect">
             <a:avLst/>
@@ -14531,8 +14495,8 @@
         </p:nvSpPr>
         <p:spPr>
           <a:xfrm rot="2744400">
-            <a:off x="-281520" y="-25920"/>
-            <a:ext cx="704880" cy="704520"/>
+            <a:off x="-281160" y="-25920"/>
+            <a:ext cx="704520" cy="704160"/>
           </a:xfrm>
           <a:prstGeom prst="roundRect">
             <a:avLst>
@@ -14570,7 +14534,7 @@
         <p:spPr>
           <a:xfrm rot="2332200">
             <a:off x="6009480" y="-319680"/>
-            <a:ext cx="4856040" cy="7727040"/>
+            <a:ext cx="4855680" cy="7726680"/>
           </a:xfrm>
           <a:prstGeom prst="roundRect">
             <a:avLst>
@@ -14608,9 +14572,9 @@
         <p:grpSpPr>
           <a:xfrm>
             <a:off x="4571640" y="828000"/>
-            <a:ext cx="4468680" cy="3564720"/>
+            <a:ext cx="4468320" cy="3564360"/>
             <a:chOff x="4571640" y="828000"/>
-            <a:chExt cx="4468680" cy="3564720"/>
+            <a:chExt cx="4468320" cy="3564360"/>
           </a:xfrm>
         </p:grpSpPr>
         <p:pic>
@@ -14626,7 +14590,7 @@
           <p:spPr>
             <a:xfrm>
               <a:off x="4571640" y="828000"/>
-              <a:ext cx="4468680" cy="3564720"/>
+              <a:ext cx="4468320" cy="3564360"/>
             </a:xfrm>
             <a:prstGeom prst="rect">
               <a:avLst/>
@@ -14644,8 +14608,8 @@
           </p:nvSpPr>
           <p:spPr>
             <a:xfrm rot="16200000">
-              <a:off x="5962680" y="1158480"/>
-              <a:ext cx="1737720" cy="2771640"/>
+              <a:off x="5962680" y="1158840"/>
+              <a:ext cx="1737360" cy="2771280"/>
             </a:xfrm>
             <a:prstGeom prst="roundRect">
               <a:avLst>
@@ -14712,7 +14676,7 @@
         <p:spPr>
           <a:xfrm>
             <a:off x="5446080" y="1672200"/>
-            <a:ext cx="2771280" cy="1737720"/>
+            <a:ext cx="2770920" cy="1737360"/>
           </a:xfrm>
           <a:prstGeom prst="rect">
             <a:avLst/>
@@ -14764,7 +14728,7 @@
         <p:spPr>
           <a:xfrm>
             <a:off x="586440" y="1246680"/>
-            <a:ext cx="4004640" cy="3600360"/>
+            <a:ext cx="4004280" cy="3600000"/>
           </a:xfrm>
           <a:prstGeom prst="rect">
             <a:avLst/>
@@ -14816,7 +14780,7 @@
         <p:spPr>
           <a:xfrm>
             <a:off x="586440" y="453960"/>
-            <a:ext cx="4764600" cy="855720"/>
+            <a:ext cx="4764240" cy="855360"/>
           </a:xfrm>
           <a:prstGeom prst="rect">
             <a:avLst/>
@@ -14905,7 +14869,7 @@
         <p:spPr>
           <a:xfrm rot="2745600">
             <a:off x="8349840" y="-668160"/>
-            <a:ext cx="1498680" cy="1498680"/>
+            <a:ext cx="1498320" cy="1498320"/>
           </a:xfrm>
           <a:prstGeom prst="roundRect">
             <a:avLst>
@@ -14942,8 +14906,8 @@
         </p:nvSpPr>
         <p:spPr>
           <a:xfrm rot="2745600">
-            <a:off x="7634160" y="-322560"/>
-            <a:ext cx="807480" cy="807840"/>
+            <a:off x="7634160" y="-322200"/>
+            <a:ext cx="807120" cy="807480"/>
           </a:xfrm>
           <a:prstGeom prst="roundRect">
             <a:avLst>
@@ -14982,7 +14946,7 @@
         <p:spPr>
           <a:xfrm>
             <a:off x="586440" y="899640"/>
-            <a:ext cx="7932240" cy="1537560"/>
+            <a:ext cx="7931880" cy="1537200"/>
           </a:xfrm>
           <a:prstGeom prst="rect">
             <a:avLst/>
@@ -15034,7 +14998,7 @@
         <p:spPr>
           <a:xfrm>
             <a:off x="608040" y="2545560"/>
-            <a:ext cx="3712680" cy="2256120"/>
+            <a:ext cx="3712320" cy="2255760"/>
           </a:xfrm>
           <a:prstGeom prst="rect">
             <a:avLst/>
@@ -15086,7 +15050,7 @@
         <p:spPr>
           <a:xfrm>
             <a:off x="4806360" y="2545560"/>
-            <a:ext cx="3712680" cy="2256120"/>
+            <a:ext cx="3712320" cy="2255760"/>
           </a:xfrm>
           <a:prstGeom prst="rect">
             <a:avLst/>
@@ -15138,7 +15102,7 @@
         <p:spPr>
           <a:xfrm>
             <a:off x="583200" y="450720"/>
-            <a:ext cx="7198560" cy="512640"/>
+            <a:ext cx="7198200" cy="512280"/>
           </a:xfrm>
           <a:prstGeom prst="rect">
             <a:avLst/>
@@ -15220,7 +15184,7 @@
         <p:spPr>
           <a:xfrm>
             <a:off x="586440" y="1246680"/>
-            <a:ext cx="4004640" cy="3600360"/>
+            <a:ext cx="4004280" cy="3600000"/>
           </a:xfrm>
           <a:prstGeom prst="rect">
             <a:avLst/>
@@ -15272,7 +15236,7 @@
         <p:spPr>
           <a:xfrm>
             <a:off x="559800" y="446040"/>
-            <a:ext cx="4284000" cy="684000"/>
+            <a:ext cx="4283640" cy="683640"/>
           </a:xfrm>
           <a:prstGeom prst="rect">
             <a:avLst/>
@@ -15324,7 +15288,7 @@
         <p:spPr>
           <a:xfrm>
             <a:off x="5097600" y="360"/>
-            <a:ext cx="4380120" cy="5144400"/>
+            <a:ext cx="4379760" cy="5144040"/>
           </a:xfrm>
           <a:prstGeom prst="roundRect">
             <a:avLst>
@@ -15389,8 +15353,8 @@
         </p:nvSpPr>
         <p:spPr>
           <a:xfrm rot="2744400">
-            <a:off x="-281520" y="-25920"/>
-            <a:ext cx="704880" cy="704520"/>
+            <a:off x="-281160" y="-25920"/>
+            <a:ext cx="704520" cy="704160"/>
           </a:xfrm>
           <a:prstGeom prst="roundRect">
             <a:avLst>
@@ -15428,7 +15392,7 @@
         <p:spPr>
           <a:xfrm rot="2625600">
             <a:off x="4861080" y="4146840"/>
-            <a:ext cx="468720" cy="468720"/>
+            <a:ext cx="468360" cy="468360"/>
           </a:xfrm>
           <a:prstGeom prst="roundRect">
             <a:avLst>
@@ -15502,8 +15466,8 @@
         </p:nvSpPr>
         <p:spPr>
           <a:xfrm rot="2744400">
-            <a:off x="-350640" y="4540320"/>
-            <a:ext cx="704880" cy="704520"/>
+            <a:off x="-350280" y="4539960"/>
+            <a:ext cx="704520" cy="704160"/>
           </a:xfrm>
           <a:prstGeom prst="roundRect">
             <a:avLst>
@@ -15540,8 +15504,8 @@
         </p:nvSpPr>
         <p:spPr>
           <a:xfrm rot="19228200">
-            <a:off x="5846760" y="-2266920"/>
-            <a:ext cx="4855680" cy="7726680"/>
+            <a:off x="5846400" y="-2266560"/>
+            <a:ext cx="4855320" cy="7726320"/>
           </a:xfrm>
           <a:prstGeom prst="roundRect">
             <a:avLst>
@@ -15579,9 +15543,9 @@
         <p:grpSpPr>
           <a:xfrm>
             <a:off x="4571640" y="828000"/>
-            <a:ext cx="4468680" cy="3564720"/>
+            <a:ext cx="4468320" cy="3564360"/>
             <a:chOff x="4571640" y="828000"/>
-            <a:chExt cx="4468680" cy="3564720"/>
+            <a:chExt cx="4468320" cy="3564360"/>
           </a:xfrm>
         </p:grpSpPr>
         <p:pic>
@@ -15597,7 +15561,7 @@
           <p:spPr>
             <a:xfrm>
               <a:off x="4571640" y="828000"/>
-              <a:ext cx="4468680" cy="3564720"/>
+              <a:ext cx="4468320" cy="3564360"/>
             </a:xfrm>
             <a:prstGeom prst="rect">
               <a:avLst/>
@@ -15615,8 +15579,8 @@
           </p:nvSpPr>
           <p:spPr>
             <a:xfrm rot="16200000">
-              <a:off x="5962680" y="1158480"/>
-              <a:ext cx="1737720" cy="2771640"/>
+              <a:off x="5962680" y="1158840"/>
+              <a:ext cx="1737360" cy="2771280"/>
             </a:xfrm>
             <a:prstGeom prst="roundRect">
               <a:avLst>
@@ -15683,7 +15647,7 @@
         <p:spPr>
           <a:xfrm>
             <a:off x="586440" y="1246680"/>
-            <a:ext cx="4004640" cy="3600360"/>
+            <a:ext cx="4004280" cy="3600000"/>
           </a:xfrm>
           <a:prstGeom prst="rect">
             <a:avLst/>
@@ -15735,7 +15699,7 @@
         <p:spPr>
           <a:xfrm>
             <a:off x="5446080" y="1672200"/>
-            <a:ext cx="2780640" cy="1737720"/>
+            <a:ext cx="2780280" cy="1737360"/>
           </a:xfrm>
           <a:prstGeom prst="rect">
             <a:avLst/>
@@ -15787,7 +15751,7 @@
         <p:spPr>
           <a:xfrm>
             <a:off x="586440" y="453960"/>
-            <a:ext cx="3697200" cy="855720"/>
+            <a:ext cx="3696840" cy="855360"/>
           </a:xfrm>
           <a:prstGeom prst="rect">
             <a:avLst/>
@@ -15876,7 +15840,7 @@
         <p:spPr>
           <a:xfrm>
             <a:off x="4222080" y="1246680"/>
-            <a:ext cx="4115520" cy="3600360"/>
+            <a:ext cx="4115160" cy="3600000"/>
           </a:xfrm>
           <a:prstGeom prst="rect">
             <a:avLst/>
@@ -15927,8 +15891,8 @@
         </p:nvSpPr>
         <p:spPr>
           <a:xfrm rot="16200000">
-            <a:off x="-2181600" y="1733040"/>
-            <a:ext cx="5144400" cy="1684440"/>
+            <a:off x="-2181600" y="1733400"/>
+            <a:ext cx="5144040" cy="1684080"/>
           </a:xfrm>
           <a:prstGeom prst="roundRect">
             <a:avLst>
@@ -15965,8 +15929,8 @@
         </p:nvSpPr>
         <p:spPr>
           <a:xfrm rot="2745000">
-            <a:off x="8575200" y="104040"/>
-            <a:ext cx="1132920" cy="1132560"/>
+            <a:off x="8575200" y="103680"/>
+            <a:ext cx="1132560" cy="1132200"/>
           </a:xfrm>
           <a:prstGeom prst="roundRect">
             <a:avLst>
@@ -16003,8 +15967,8 @@
         </p:nvSpPr>
         <p:spPr>
           <a:xfrm rot="16200000">
-            <a:off x="614880" y="918360"/>
-            <a:ext cx="3232440" cy="3314160"/>
+            <a:off x="614880" y="918720"/>
+            <a:ext cx="3232080" cy="3313800"/>
           </a:xfrm>
           <a:prstGeom prst="roundRect">
             <a:avLst>
@@ -16070,7 +16034,7 @@
         <p:spPr>
           <a:xfrm>
             <a:off x="4214160" y="456120"/>
-            <a:ext cx="4112280" cy="855720"/>
+            <a:ext cx="4111920" cy="855360"/>
           </a:xfrm>
           <a:prstGeom prst="rect">
             <a:avLst/>
